--- a/slides/On-Campus/10_02_Arrays2D.pptx
+++ b/slides/On-Campus/10_02_Arrays2D.pptx
@@ -5,18 +5,21 @@
     <p:sldMasterId id="2147483648" r:id="rId1"/>
   </p:sldMasterIdLst>
   <p:notesMasterIdLst>
-    <p:notesMasterId r:id="rId8"/>
+    <p:notesMasterId r:id="rId11"/>
   </p:notesMasterIdLst>
   <p:handoutMasterIdLst>
-    <p:handoutMasterId r:id="rId9"/>
+    <p:handoutMasterId r:id="rId12"/>
   </p:handoutMasterIdLst>
   <p:sldIdLst>
     <p:sldId id="256" r:id="rId2"/>
-    <p:sldId id="258" r:id="rId3"/>
-    <p:sldId id="257" r:id="rId4"/>
-    <p:sldId id="259" r:id="rId5"/>
-    <p:sldId id="260" r:id="rId6"/>
-    <p:sldId id="261" r:id="rId7"/>
+    <p:sldId id="267" r:id="rId3"/>
+    <p:sldId id="262" r:id="rId4"/>
+    <p:sldId id="258" r:id="rId5"/>
+    <p:sldId id="257" r:id="rId6"/>
+    <p:sldId id="259" r:id="rId7"/>
+    <p:sldId id="260" r:id="rId8"/>
+    <p:sldId id="261" r:id="rId9"/>
+    <p:sldId id="263" r:id="rId10"/>
   </p:sldIdLst>
   <p:sldSz cx="13817600" cy="7772400"/>
   <p:notesSz cx="6858000" cy="9144000"/>
@@ -137,6 +140,273 @@
 </p:presentation>
 </file>
 
+<file path=ppt/changesInfos/changesInfo1.xml><?xml version="1.0" encoding="utf-8"?>
+<pc:chgInfo xmlns:a="http://schemas.openxmlformats.org/drawingml/2006/main" xmlns:r="http://schemas.openxmlformats.org/officeDocument/2006/relationships" xmlns:ac="http://schemas.microsoft.com/office/drawing/2013/main/command" xmlns:pc="http://schemas.microsoft.com/office/powerpoint/2013/main/command">
+  <pc:docChgLst>
+    <pc:chgData name="Marcia Moraes" userId="c9c67e8a-58e2-4733-9a1c-5d44fec4775b" providerId="ADAL" clId="{6794BDB5-B7B0-4D3C-AC28-96A9512639C0}"/>
+    <pc:docChg chg="undo custSel addSld modSld">
+      <pc:chgData name="Marcia Moraes" userId="c9c67e8a-58e2-4733-9a1c-5d44fec4775b" providerId="ADAL" clId="{6794BDB5-B7B0-4D3C-AC28-96A9512639C0}" dt="2021-10-25T19:41:53.666" v="813" actId="5793"/>
+      <pc:docMkLst>
+        <pc:docMk/>
+      </pc:docMkLst>
+      <pc:sldChg chg="delSp modSp add delAnim">
+        <pc:chgData name="Marcia Moraes" userId="c9c67e8a-58e2-4733-9a1c-5d44fec4775b" providerId="ADAL" clId="{6794BDB5-B7B0-4D3C-AC28-96A9512639C0}" dt="2021-10-25T15:07:46.634" v="257" actId="20577"/>
+        <pc:sldMkLst>
+          <pc:docMk/>
+          <pc:sldMk cId="1543760054" sldId="262"/>
+        </pc:sldMkLst>
+        <pc:spChg chg="mod">
+          <ac:chgData name="Marcia Moraes" userId="c9c67e8a-58e2-4733-9a1c-5d44fec4775b" providerId="ADAL" clId="{6794BDB5-B7B0-4D3C-AC28-96A9512639C0}" dt="2021-10-25T15:03:51.351" v="177" actId="20577"/>
+          <ac:spMkLst>
+            <pc:docMk/>
+            <pc:sldMk cId="1543760054" sldId="262"/>
+            <ac:spMk id="4" creationId="{4A660486-8E54-6640-B103-727D1050D612}"/>
+          </ac:spMkLst>
+        </pc:spChg>
+        <pc:spChg chg="mod">
+          <ac:chgData name="Marcia Moraes" userId="c9c67e8a-58e2-4733-9a1c-5d44fec4775b" providerId="ADAL" clId="{6794BDB5-B7B0-4D3C-AC28-96A9512639C0}" dt="2021-10-25T15:07:46.634" v="257" actId="20577"/>
+          <ac:spMkLst>
+            <pc:docMk/>
+            <pc:sldMk cId="1543760054" sldId="262"/>
+            <ac:spMk id="5" creationId="{F3EBC060-D4FF-C64E-B919-DFF25A0A3178}"/>
+          </ac:spMkLst>
+        </pc:spChg>
+        <pc:spChg chg="del">
+          <ac:chgData name="Marcia Moraes" userId="c9c67e8a-58e2-4733-9a1c-5d44fec4775b" providerId="ADAL" clId="{6794BDB5-B7B0-4D3C-AC28-96A9512639C0}" dt="2021-10-25T14:57:32.017" v="17" actId="478"/>
+          <ac:spMkLst>
+            <pc:docMk/>
+            <pc:sldMk cId="1543760054" sldId="262"/>
+            <ac:spMk id="6" creationId="{A1E0D17F-9491-D644-AA6E-2C73FA2AABBC}"/>
+          </ac:spMkLst>
+        </pc:spChg>
+        <pc:spChg chg="del">
+          <ac:chgData name="Marcia Moraes" userId="c9c67e8a-58e2-4733-9a1c-5d44fec4775b" providerId="ADAL" clId="{6794BDB5-B7B0-4D3C-AC28-96A9512639C0}" dt="2021-10-25T14:57:37.738" v="22" actId="478"/>
+          <ac:spMkLst>
+            <pc:docMk/>
+            <pc:sldMk cId="1543760054" sldId="262"/>
+            <ac:spMk id="20" creationId="{D8C1484C-9451-8A42-99FD-38593165E2A5}"/>
+          </ac:spMkLst>
+        </pc:spChg>
+        <pc:spChg chg="del">
+          <ac:chgData name="Marcia Moraes" userId="c9c67e8a-58e2-4733-9a1c-5d44fec4775b" providerId="ADAL" clId="{6794BDB5-B7B0-4D3C-AC28-96A9512639C0}" dt="2021-10-25T14:57:38.673" v="23" actId="478"/>
+          <ac:spMkLst>
+            <pc:docMk/>
+            <pc:sldMk cId="1543760054" sldId="262"/>
+            <ac:spMk id="21" creationId="{AA74A842-8165-E344-9C76-B1F9685BECA6}"/>
+          </ac:spMkLst>
+        </pc:spChg>
+        <pc:spChg chg="del">
+          <ac:chgData name="Marcia Moraes" userId="c9c67e8a-58e2-4733-9a1c-5d44fec4775b" providerId="ADAL" clId="{6794BDB5-B7B0-4D3C-AC28-96A9512639C0}" dt="2021-10-25T14:57:43.962" v="25" actId="478"/>
+          <ac:spMkLst>
+            <pc:docMk/>
+            <pc:sldMk cId="1543760054" sldId="262"/>
+            <ac:spMk id="22" creationId="{33DFE5B4-B3CE-8C46-8BFC-FB6952231D86}"/>
+          </ac:spMkLst>
+        </pc:spChg>
+        <pc:spChg chg="del">
+          <ac:chgData name="Marcia Moraes" userId="c9c67e8a-58e2-4733-9a1c-5d44fec4775b" providerId="ADAL" clId="{6794BDB5-B7B0-4D3C-AC28-96A9512639C0}" dt="2021-10-25T14:57:43.962" v="25" actId="478"/>
+          <ac:spMkLst>
+            <pc:docMk/>
+            <pc:sldMk cId="1543760054" sldId="262"/>
+            <ac:spMk id="23" creationId="{D0E2A395-AAE5-884F-BB6D-4B7362160A44}"/>
+          </ac:spMkLst>
+        </pc:spChg>
+        <pc:spChg chg="del">
+          <ac:chgData name="Marcia Moraes" userId="c9c67e8a-58e2-4733-9a1c-5d44fec4775b" providerId="ADAL" clId="{6794BDB5-B7B0-4D3C-AC28-96A9512639C0}" dt="2021-10-25T14:57:43.962" v="25" actId="478"/>
+          <ac:spMkLst>
+            <pc:docMk/>
+            <pc:sldMk cId="1543760054" sldId="262"/>
+            <ac:spMk id="24" creationId="{36A4A862-F74A-5F4D-9C7E-166252B656EE}"/>
+          </ac:spMkLst>
+        </pc:spChg>
+        <pc:spChg chg="del">
+          <ac:chgData name="Marcia Moraes" userId="c9c67e8a-58e2-4733-9a1c-5d44fec4775b" providerId="ADAL" clId="{6794BDB5-B7B0-4D3C-AC28-96A9512639C0}" dt="2021-10-25T14:57:43.962" v="25" actId="478"/>
+          <ac:spMkLst>
+            <pc:docMk/>
+            <pc:sldMk cId="1543760054" sldId="262"/>
+            <ac:spMk id="25" creationId="{141EFDC2-E8E0-844C-A937-9C9B89F72D4A}"/>
+          </ac:spMkLst>
+        </pc:spChg>
+        <pc:spChg chg="del">
+          <ac:chgData name="Marcia Moraes" userId="c9c67e8a-58e2-4733-9a1c-5d44fec4775b" providerId="ADAL" clId="{6794BDB5-B7B0-4D3C-AC28-96A9512639C0}" dt="2021-10-25T14:57:43.962" v="25" actId="478"/>
+          <ac:spMkLst>
+            <pc:docMk/>
+            <pc:sldMk cId="1543760054" sldId="262"/>
+            <ac:spMk id="26" creationId="{8163A647-7E3E-9949-BB94-0A58ABB67281}"/>
+          </ac:spMkLst>
+        </pc:spChg>
+        <pc:spChg chg="del">
+          <ac:chgData name="Marcia Moraes" userId="c9c67e8a-58e2-4733-9a1c-5d44fec4775b" providerId="ADAL" clId="{6794BDB5-B7B0-4D3C-AC28-96A9512639C0}" dt="2021-10-25T14:57:43.962" v="25" actId="478"/>
+          <ac:spMkLst>
+            <pc:docMk/>
+            <pc:sldMk cId="1543760054" sldId="262"/>
+            <ac:spMk id="27" creationId="{EF056BC5-086A-274C-AEB7-D85640BCCE55}"/>
+          </ac:spMkLst>
+        </pc:spChg>
+        <pc:spChg chg="del">
+          <ac:chgData name="Marcia Moraes" userId="c9c67e8a-58e2-4733-9a1c-5d44fec4775b" providerId="ADAL" clId="{6794BDB5-B7B0-4D3C-AC28-96A9512639C0}" dt="2021-10-25T14:57:43.962" v="25" actId="478"/>
+          <ac:spMkLst>
+            <pc:docMk/>
+            <pc:sldMk cId="1543760054" sldId="262"/>
+            <ac:spMk id="28" creationId="{22796534-B92C-8044-B73A-A633D0547546}"/>
+          </ac:spMkLst>
+        </pc:spChg>
+        <pc:spChg chg="del">
+          <ac:chgData name="Marcia Moraes" userId="c9c67e8a-58e2-4733-9a1c-5d44fec4775b" providerId="ADAL" clId="{6794BDB5-B7B0-4D3C-AC28-96A9512639C0}" dt="2021-10-25T14:57:35.599" v="20" actId="478"/>
+          <ac:spMkLst>
+            <pc:docMk/>
+            <pc:sldMk cId="1543760054" sldId="262"/>
+            <ac:spMk id="32" creationId="{BE0653EA-E2D6-BA4D-BC78-953BDB09D158}"/>
+          </ac:spMkLst>
+        </pc:spChg>
+        <pc:spChg chg="del">
+          <ac:chgData name="Marcia Moraes" userId="c9c67e8a-58e2-4733-9a1c-5d44fec4775b" providerId="ADAL" clId="{6794BDB5-B7B0-4D3C-AC28-96A9512639C0}" dt="2021-10-25T14:57:36.803" v="21" actId="478"/>
+          <ac:spMkLst>
+            <pc:docMk/>
+            <pc:sldMk cId="1543760054" sldId="262"/>
+            <ac:spMk id="39" creationId="{97A18E1B-7690-3345-8EC2-428EE9EA2A93}"/>
+          </ac:spMkLst>
+        </pc:spChg>
+        <pc:spChg chg="del">
+          <ac:chgData name="Marcia Moraes" userId="c9c67e8a-58e2-4733-9a1c-5d44fec4775b" providerId="ADAL" clId="{6794BDB5-B7B0-4D3C-AC28-96A9512639C0}" dt="2021-10-25T14:57:43.962" v="25" actId="478"/>
+          <ac:spMkLst>
+            <pc:docMk/>
+            <pc:sldMk cId="1543760054" sldId="262"/>
+            <ac:spMk id="43" creationId="{509A31C2-F0E5-C34A-98E8-7FF49A9E9859}"/>
+          </ac:spMkLst>
+        </pc:spChg>
+        <pc:spChg chg="del">
+          <ac:chgData name="Marcia Moraes" userId="c9c67e8a-58e2-4733-9a1c-5d44fec4775b" providerId="ADAL" clId="{6794BDB5-B7B0-4D3C-AC28-96A9512639C0}" dt="2021-10-25T14:58:27.161" v="95" actId="478"/>
+          <ac:spMkLst>
+            <pc:docMk/>
+            <pc:sldMk cId="1543760054" sldId="262"/>
+            <ac:spMk id="51" creationId="{33E256C4-3FD9-4043-B967-530D240D8780}"/>
+          </ac:spMkLst>
+        </pc:spChg>
+        <pc:grpChg chg="del">
+          <ac:chgData name="Marcia Moraes" userId="c9c67e8a-58e2-4733-9a1c-5d44fec4775b" providerId="ADAL" clId="{6794BDB5-B7B0-4D3C-AC28-96A9512639C0}" dt="2021-10-25T14:57:43.962" v="25" actId="478"/>
+          <ac:grpSpMkLst>
+            <pc:docMk/>
+            <pc:sldMk cId="1543760054" sldId="262"/>
+            <ac:grpSpMk id="18" creationId="{082A9EC7-29B2-7A43-8E51-8DE6A71FDE4D}"/>
+          </ac:grpSpMkLst>
+        </pc:grpChg>
+        <pc:cxnChg chg="del mod">
+          <ac:chgData name="Marcia Moraes" userId="c9c67e8a-58e2-4733-9a1c-5d44fec4775b" providerId="ADAL" clId="{6794BDB5-B7B0-4D3C-AC28-96A9512639C0}" dt="2021-10-25T14:57:33.153" v="18" actId="478"/>
+          <ac:cxnSpMkLst>
+            <pc:docMk/>
+            <pc:sldMk cId="1543760054" sldId="262"/>
+            <ac:cxnSpMk id="34" creationId="{75DD324E-96FF-4144-A263-01ADD7F0D6C6}"/>
+          </ac:cxnSpMkLst>
+        </pc:cxnChg>
+        <pc:cxnChg chg="del mod">
+          <ac:chgData name="Marcia Moraes" userId="c9c67e8a-58e2-4733-9a1c-5d44fec4775b" providerId="ADAL" clId="{6794BDB5-B7B0-4D3C-AC28-96A9512639C0}" dt="2021-10-25T14:57:34.178" v="19" actId="478"/>
+          <ac:cxnSpMkLst>
+            <pc:docMk/>
+            <pc:sldMk cId="1543760054" sldId="262"/>
+            <ac:cxnSpMk id="40" creationId="{B96DB68C-E046-604A-9146-4FBDEEC966FD}"/>
+          </ac:cxnSpMkLst>
+        </pc:cxnChg>
+        <pc:cxnChg chg="del mod">
+          <ac:chgData name="Marcia Moraes" userId="c9c67e8a-58e2-4733-9a1c-5d44fec4775b" providerId="ADAL" clId="{6794BDB5-B7B0-4D3C-AC28-96A9512639C0}" dt="2021-10-25T14:57:43.962" v="25" actId="478"/>
+          <ac:cxnSpMkLst>
+            <pc:docMk/>
+            <pc:sldMk cId="1543760054" sldId="262"/>
+            <ac:cxnSpMk id="44" creationId="{111EFD3F-6353-6341-9760-235BA800D696}"/>
+          </ac:cxnSpMkLst>
+        </pc:cxnChg>
+      </pc:sldChg>
+      <pc:sldChg chg="addSp delSp modSp add">
+        <pc:chgData name="Marcia Moraes" userId="c9c67e8a-58e2-4733-9a1c-5d44fec4775b" providerId="ADAL" clId="{6794BDB5-B7B0-4D3C-AC28-96A9512639C0}" dt="2021-10-25T19:41:53.666" v="813" actId="5793"/>
+        <pc:sldMkLst>
+          <pc:docMk/>
+          <pc:sldMk cId="3507559956" sldId="263"/>
+        </pc:sldMkLst>
+        <pc:spChg chg="mod">
+          <ac:chgData name="Marcia Moraes" userId="c9c67e8a-58e2-4733-9a1c-5d44fec4775b" providerId="ADAL" clId="{6794BDB5-B7B0-4D3C-AC28-96A9512639C0}" dt="2021-10-25T15:51:28.694" v="266" actId="6549"/>
+          <ac:spMkLst>
+            <pc:docMk/>
+            <pc:sldMk cId="3507559956" sldId="263"/>
+            <ac:spMk id="4" creationId="{4A660486-8E54-6640-B103-727D1050D612}"/>
+          </ac:spMkLst>
+        </pc:spChg>
+        <pc:spChg chg="mod">
+          <ac:chgData name="Marcia Moraes" userId="c9c67e8a-58e2-4733-9a1c-5d44fec4775b" providerId="ADAL" clId="{6794BDB5-B7B0-4D3C-AC28-96A9512639C0}" dt="2021-10-25T19:41:53.666" v="813" actId="5793"/>
+          <ac:spMkLst>
+            <pc:docMk/>
+            <pc:sldMk cId="3507559956" sldId="263"/>
+            <ac:spMk id="5" creationId="{F3EBC060-D4FF-C64E-B919-DFF25A0A3178}"/>
+          </ac:spMkLst>
+        </pc:spChg>
+        <pc:spChg chg="add del">
+          <ac:chgData name="Marcia Moraes" userId="c9c67e8a-58e2-4733-9a1c-5d44fec4775b" providerId="ADAL" clId="{6794BDB5-B7B0-4D3C-AC28-96A9512639C0}" dt="2021-10-25T16:16:15.712" v="269"/>
+          <ac:spMkLst>
+            <pc:docMk/>
+            <pc:sldMk cId="3507559956" sldId="263"/>
+            <ac:spMk id="6" creationId="{B355756F-A73D-45FB-8E70-CD0BC1DDC8B8}"/>
+          </ac:spMkLst>
+        </pc:spChg>
+        <pc:spChg chg="add mod">
+          <ac:chgData name="Marcia Moraes" userId="c9c67e8a-58e2-4733-9a1c-5d44fec4775b" providerId="ADAL" clId="{6794BDB5-B7B0-4D3C-AC28-96A9512639C0}" dt="2021-10-25T16:16:26.088" v="271" actId="1076"/>
+          <ac:spMkLst>
+            <pc:docMk/>
+            <pc:sldMk cId="3507559956" sldId="263"/>
+            <ac:spMk id="7" creationId="{597910EA-64B7-4019-BAE6-D80DC3CDBE87}"/>
+          </ac:spMkLst>
+        </pc:spChg>
+        <pc:spChg chg="add mod">
+          <ac:chgData name="Marcia Moraes" userId="c9c67e8a-58e2-4733-9a1c-5d44fec4775b" providerId="ADAL" clId="{6794BDB5-B7B0-4D3C-AC28-96A9512639C0}" dt="2021-10-25T16:16:26.088" v="271" actId="1076"/>
+          <ac:spMkLst>
+            <pc:docMk/>
+            <pc:sldMk cId="3507559956" sldId="263"/>
+            <ac:spMk id="8" creationId="{0E05E88E-C53A-464A-9415-C6C326F21393}"/>
+          </ac:spMkLst>
+        </pc:spChg>
+      </pc:sldChg>
+      <pc:sldChg chg="addSp delSp modSp add">
+        <pc:chgData name="Marcia Moraes" userId="c9c67e8a-58e2-4733-9a1c-5d44fec4775b" providerId="ADAL" clId="{6794BDB5-B7B0-4D3C-AC28-96A9512639C0}" dt="2021-10-25T19:39:27.662" v="677" actId="6549"/>
+        <pc:sldMkLst>
+          <pc:docMk/>
+          <pc:sldMk cId="926474781" sldId="267"/>
+        </pc:sldMkLst>
+        <pc:spChg chg="add mod">
+          <ac:chgData name="Marcia Moraes" userId="c9c67e8a-58e2-4733-9a1c-5d44fec4775b" providerId="ADAL" clId="{6794BDB5-B7B0-4D3C-AC28-96A9512639C0}" dt="2021-10-25T19:38:53.060" v="676" actId="20577"/>
+          <ac:spMkLst>
+            <pc:docMk/>
+            <pc:sldMk cId="926474781" sldId="267"/>
+            <ac:spMk id="2" creationId="{B8728431-29F4-4DEC-B045-63F5127C380B}"/>
+          </ac:spMkLst>
+        </pc:spChg>
+        <pc:spChg chg="mod">
+          <ac:chgData name="Marcia Moraes" userId="c9c67e8a-58e2-4733-9a1c-5d44fec4775b" providerId="ADAL" clId="{6794BDB5-B7B0-4D3C-AC28-96A9512639C0}" dt="2021-10-25T19:36:14.728" v="630" actId="6549"/>
+          <ac:spMkLst>
+            <pc:docMk/>
+            <pc:sldMk cId="926474781" sldId="267"/>
+            <ac:spMk id="5" creationId="{1BBD0DB5-379A-304F-9307-E7B1A89B08F7}"/>
+          </ac:spMkLst>
+        </pc:spChg>
+        <pc:spChg chg="mod">
+          <ac:chgData name="Marcia Moraes" userId="c9c67e8a-58e2-4733-9a1c-5d44fec4775b" providerId="ADAL" clId="{6794BDB5-B7B0-4D3C-AC28-96A9512639C0}" dt="2021-10-25T19:39:27.662" v="677" actId="6549"/>
+          <ac:spMkLst>
+            <pc:docMk/>
+            <pc:sldMk cId="926474781" sldId="267"/>
+            <ac:spMk id="7" creationId="{BF16D510-BC74-4FA5-AFD2-193B039115A5}"/>
+          </ac:spMkLst>
+        </pc:spChg>
+        <pc:spChg chg="del">
+          <ac:chgData name="Marcia Moraes" userId="c9c67e8a-58e2-4733-9a1c-5d44fec4775b" providerId="ADAL" clId="{6794BDB5-B7B0-4D3C-AC28-96A9512639C0}" dt="2021-10-25T19:35:14.605" v="602" actId="478"/>
+          <ac:spMkLst>
+            <pc:docMk/>
+            <pc:sldMk cId="926474781" sldId="267"/>
+            <ac:spMk id="8" creationId="{609124F5-A5F0-4B6E-BE4C-AE86713EE85D}"/>
+          </ac:spMkLst>
+        </pc:spChg>
+      </pc:sldChg>
+    </pc:docChg>
+  </pc:docChgLst>
+</pc:chgInfo>
+</file>
+
 <file path=ppt/handoutMasters/handoutMaster1.xml><?xml version="1.0" encoding="utf-8"?>
 <p:handoutMaster xmlns:a="http://schemas.openxmlformats.org/drawingml/2006/main" xmlns:r="http://schemas.openxmlformats.org/officeDocument/2006/relationships" xmlns:p="http://schemas.openxmlformats.org/presentationml/2006/main">
   <p:cSld>
@@ -219,7 +489,7 @@
           <a:p>
             <a:fld id="{4D7E51A5-B478-1E40-8CBB-0DAA8831E99D}" type="datetimeFigureOut">
               <a:rPr lang="en-US" smtClean="0"/>
-              <a:t>4/18/20</a:t>
+              <a:t>10/25/2021</a:t>
             </a:fld>
             <a:endParaRPr lang="en-US"/>
           </a:p>
@@ -384,7 +654,7 @@
           <a:p>
             <a:fld id="{D0ED587F-861E-6740-9643-E3DDAE89B8D6}" type="datetimeFigureOut">
               <a:rPr lang="en-US" smtClean="0"/>
-              <a:t>4/18/20</a:t>
+              <a:t>10/25/2021</a:t>
             </a:fld>
             <a:endParaRPr lang="en-US"/>
           </a:p>
@@ -4011,6 +4281,602 @@
 </p:sldLayout>
 </file>
 
+<file path=ppt/slideLayouts/slideLayout25.xml><?xml version="1.0" encoding="utf-8"?>
+<p:sldLayout xmlns:a="http://schemas.openxmlformats.org/drawingml/2006/main" xmlns:r="http://schemas.openxmlformats.org/officeDocument/2006/relationships" xmlns:p="http://schemas.openxmlformats.org/presentationml/2006/main" matchingName="Title and Content">
+  <p:cSld name="1_Title and Content">
+    <p:spTree>
+      <p:nvGrpSpPr>
+        <p:cNvPr id="1" name="Shape 53"/>
+        <p:cNvGrpSpPr/>
+        <p:nvPr/>
+      </p:nvGrpSpPr>
+      <p:grpSpPr>
+        <a:xfrm>
+          <a:off x="0" y="0"/>
+          <a:ext cx="0" cy="0"/>
+          <a:chOff x="0" y="0"/>
+          <a:chExt cx="0" cy="0"/>
+        </a:xfrm>
+      </p:grpSpPr>
+      <p:grpSp>
+        <p:nvGrpSpPr>
+          <p:cNvPr id="54" name="Google Shape;54;p14"/>
+          <p:cNvGrpSpPr/>
+          <p:nvPr/>
+        </p:nvGrpSpPr>
+        <p:grpSpPr>
+          <a:xfrm>
+            <a:off x="0" y="7372875"/>
+            <a:ext cx="13849756" cy="400074"/>
+            <a:chOff x="0" y="7372350"/>
+            <a:chExt cx="13817700" cy="400053"/>
+          </a:xfrm>
+        </p:grpSpPr>
+        <p:sp>
+          <p:nvSpPr>
+            <p:cNvPr id="55" name="Google Shape;55;p14"/>
+            <p:cNvSpPr/>
+            <p:nvPr/>
+          </p:nvSpPr>
+          <p:spPr>
+            <a:xfrm>
+              <a:off x="0" y="7372350"/>
+              <a:ext cx="13817700" cy="399900"/>
+            </a:xfrm>
+            <a:prstGeom prst="rect">
+              <a:avLst/>
+            </a:prstGeom>
+            <a:solidFill>
+              <a:schemeClr val="dk2"/>
+            </a:solidFill>
+            <a:ln>
+              <a:noFill/>
+            </a:ln>
+          </p:spPr>
+          <p:txBody>
+            <a:bodyPr spcFirstLastPara="1" wrap="square" lIns="60500" tIns="30250" rIns="60500" bIns="30250" anchor="ctr" anchorCtr="0">
+              <a:noAutofit/>
+            </a:bodyPr>
+            <a:lstStyle/>
+            <a:p>
+              <a:pPr marL="0" marR="0" lvl="0" indent="0" algn="ctr" rtl="0">
+                <a:spcBef>
+                  <a:spcPts val="0"/>
+                </a:spcBef>
+                <a:spcAft>
+                  <a:spcPts val="0"/>
+                </a:spcAft>
+                <a:buNone/>
+              </a:pPr>
+              <a:endParaRPr sz="1964" b="0" i="0" u="none" strike="noStrike" cap="none">
+                <a:solidFill>
+                  <a:schemeClr val="lt1"/>
+                </a:solidFill>
+                <a:latin typeface="Arial"/>
+                <a:ea typeface="Arial"/>
+                <a:cs typeface="Arial"/>
+                <a:sym typeface="Arial"/>
+              </a:endParaRPr>
+            </a:p>
+          </p:txBody>
+        </p:sp>
+        <p:pic>
+          <p:nvPicPr>
+            <p:cNvPr id="56" name="Google Shape;56;p14"/>
+            <p:cNvPicPr preferRelativeResize="0"/>
+            <p:nvPr/>
+          </p:nvPicPr>
+          <p:blipFill rotWithShape="1">
+            <a:blip r:embed="rId2">
+              <a:alphaModFix/>
+            </a:blip>
+            <a:srcRect/>
+            <a:stretch/>
+          </p:blipFill>
+          <p:spPr>
+            <a:xfrm>
+              <a:off x="152257" y="7372351"/>
+              <a:ext cx="1788558" cy="400050"/>
+            </a:xfrm>
+            <a:prstGeom prst="rect">
+              <a:avLst/>
+            </a:prstGeom>
+            <a:noFill/>
+            <a:ln>
+              <a:noFill/>
+            </a:ln>
+          </p:spPr>
+        </p:pic>
+        <p:sp>
+          <p:nvSpPr>
+            <p:cNvPr id="57" name="Google Shape;57;p14"/>
+            <p:cNvSpPr/>
+            <p:nvPr/>
+          </p:nvSpPr>
+          <p:spPr>
+            <a:xfrm>
+              <a:off x="0" y="7372351"/>
+              <a:ext cx="13817700" cy="399900"/>
+            </a:xfrm>
+            <a:prstGeom prst="rect">
+              <a:avLst/>
+            </a:prstGeom>
+            <a:solidFill>
+              <a:schemeClr val="dk2"/>
+            </a:solidFill>
+            <a:ln>
+              <a:noFill/>
+            </a:ln>
+          </p:spPr>
+          <p:txBody>
+            <a:bodyPr spcFirstLastPara="1" wrap="square" lIns="60500" tIns="30250" rIns="60500" bIns="30250" anchor="ctr" anchorCtr="0">
+              <a:noAutofit/>
+            </a:bodyPr>
+            <a:lstStyle/>
+            <a:p>
+              <a:pPr marL="0" marR="0" lvl="0" indent="0" algn="ctr" rtl="0">
+                <a:spcBef>
+                  <a:spcPts val="0"/>
+                </a:spcBef>
+                <a:spcAft>
+                  <a:spcPts val="0"/>
+                </a:spcAft>
+                <a:buNone/>
+              </a:pPr>
+              <a:endParaRPr sz="1964" b="0" i="0" u="none" strike="noStrike" cap="none">
+                <a:solidFill>
+                  <a:schemeClr val="lt1"/>
+                </a:solidFill>
+                <a:latin typeface="Arial"/>
+                <a:ea typeface="Arial"/>
+                <a:cs typeface="Arial"/>
+                <a:sym typeface="Arial"/>
+              </a:endParaRPr>
+            </a:p>
+          </p:txBody>
+        </p:sp>
+        <p:pic>
+          <p:nvPicPr>
+            <p:cNvPr id="58" name="Google Shape;58;p14"/>
+            <p:cNvPicPr preferRelativeResize="0"/>
+            <p:nvPr/>
+          </p:nvPicPr>
+          <p:blipFill rotWithShape="1">
+            <a:blip r:embed="rId2">
+              <a:alphaModFix/>
+            </a:blip>
+            <a:srcRect/>
+            <a:stretch/>
+          </p:blipFill>
+          <p:spPr>
+            <a:xfrm>
+              <a:off x="152257" y="7372352"/>
+              <a:ext cx="1788558" cy="400050"/>
+            </a:xfrm>
+            <a:prstGeom prst="rect">
+              <a:avLst/>
+            </a:prstGeom>
+            <a:noFill/>
+            <a:ln>
+              <a:noFill/>
+            </a:ln>
+          </p:spPr>
+        </p:pic>
+      </p:grpSp>
+      <p:sp>
+        <p:nvSpPr>
+          <p:cNvPr id="59" name="Google Shape;59;p14"/>
+          <p:cNvSpPr txBox="1">
+            <a:spLocks noGrp="1"/>
+          </p:cNvSpPr>
+          <p:nvPr>
+            <p:ph type="title"/>
+          </p:nvPr>
+        </p:nvSpPr>
+        <p:spPr>
+          <a:xfrm>
+            <a:off x="628075" y="905258"/>
+            <a:ext cx="12561413" cy="1015467"/>
+          </a:xfrm>
+          <a:prstGeom prst="rect">
+            <a:avLst/>
+          </a:prstGeom>
+          <a:noFill/>
+          <a:ln>
+            <a:noFill/>
+          </a:ln>
+        </p:spPr>
+        <p:txBody>
+          <a:bodyPr spcFirstLastPara="1" wrap="square" lIns="60500" tIns="60500" rIns="60500" bIns="60500" anchor="b" anchorCtr="0">
+            <a:noAutofit/>
+          </a:bodyPr>
+          <a:lstStyle>
+            <a:lvl1pPr marR="0" lvl="0" algn="l" rtl="0">
+              <a:spcBef>
+                <a:spcPts val="0"/>
+              </a:spcBef>
+              <a:spcAft>
+                <a:spcPts val="0"/>
+              </a:spcAft>
+              <a:buClr>
+                <a:schemeClr val="dk2"/>
+              </a:buClr>
+              <a:buSzPts val="3600"/>
+              <a:buFont typeface="Arial"/>
+              <a:buNone/>
+              <a:defRPr sz="5440" b="0" i="0" u="none" strike="noStrike" cap="none">
+                <a:solidFill>
+                  <a:schemeClr val="dk2"/>
+                </a:solidFill>
+                <a:latin typeface="Arial"/>
+                <a:ea typeface="Arial"/>
+                <a:cs typeface="Arial"/>
+                <a:sym typeface="Arial"/>
+              </a:defRPr>
+            </a:lvl1pPr>
+            <a:lvl2pPr lvl="1" rtl="0">
+              <a:spcBef>
+                <a:spcPts val="0"/>
+              </a:spcBef>
+              <a:spcAft>
+                <a:spcPts val="0"/>
+              </a:spcAft>
+              <a:buSzPts val="900"/>
+              <a:buNone/>
+              <a:defRPr sz="1813"/>
+            </a:lvl2pPr>
+            <a:lvl3pPr lvl="2" rtl="0">
+              <a:spcBef>
+                <a:spcPts val="0"/>
+              </a:spcBef>
+              <a:spcAft>
+                <a:spcPts val="0"/>
+              </a:spcAft>
+              <a:buSzPts val="900"/>
+              <a:buNone/>
+              <a:defRPr sz="1813"/>
+            </a:lvl3pPr>
+            <a:lvl4pPr lvl="3" rtl="0">
+              <a:spcBef>
+                <a:spcPts val="0"/>
+              </a:spcBef>
+              <a:spcAft>
+                <a:spcPts val="0"/>
+              </a:spcAft>
+              <a:buSzPts val="900"/>
+              <a:buNone/>
+              <a:defRPr sz="1813"/>
+            </a:lvl4pPr>
+            <a:lvl5pPr lvl="4" rtl="0">
+              <a:spcBef>
+                <a:spcPts val="0"/>
+              </a:spcBef>
+              <a:spcAft>
+                <a:spcPts val="0"/>
+              </a:spcAft>
+              <a:buSzPts val="900"/>
+              <a:buNone/>
+              <a:defRPr sz="1813"/>
+            </a:lvl5pPr>
+            <a:lvl6pPr lvl="5" rtl="0">
+              <a:spcBef>
+                <a:spcPts val="0"/>
+              </a:spcBef>
+              <a:spcAft>
+                <a:spcPts val="0"/>
+              </a:spcAft>
+              <a:buSzPts val="900"/>
+              <a:buNone/>
+              <a:defRPr sz="1813"/>
+            </a:lvl6pPr>
+            <a:lvl7pPr lvl="6" rtl="0">
+              <a:spcBef>
+                <a:spcPts val="0"/>
+              </a:spcBef>
+              <a:spcAft>
+                <a:spcPts val="0"/>
+              </a:spcAft>
+              <a:buSzPts val="900"/>
+              <a:buNone/>
+              <a:defRPr sz="1813"/>
+            </a:lvl7pPr>
+            <a:lvl8pPr lvl="7" rtl="0">
+              <a:spcBef>
+                <a:spcPts val="0"/>
+              </a:spcBef>
+              <a:spcAft>
+                <a:spcPts val="0"/>
+              </a:spcAft>
+              <a:buSzPts val="900"/>
+              <a:buNone/>
+              <a:defRPr sz="1813"/>
+            </a:lvl8pPr>
+            <a:lvl9pPr lvl="8" rtl="0">
+              <a:spcBef>
+                <a:spcPts val="0"/>
+              </a:spcBef>
+              <a:spcAft>
+                <a:spcPts val="0"/>
+              </a:spcAft>
+              <a:buSzPts val="900"/>
+              <a:buNone/>
+              <a:defRPr sz="1813"/>
+            </a:lvl9pPr>
+          </a:lstStyle>
+          <a:p>
+            <a:endParaRPr/>
+          </a:p>
+        </p:txBody>
+      </p:sp>
+      <p:sp>
+        <p:nvSpPr>
+          <p:cNvPr id="60" name="Google Shape;60;p14"/>
+          <p:cNvSpPr txBox="1">
+            <a:spLocks noGrp="1"/>
+          </p:cNvSpPr>
+          <p:nvPr>
+            <p:ph type="body" idx="1"/>
+          </p:nvPr>
+        </p:nvSpPr>
+        <p:spPr>
+          <a:xfrm>
+            <a:off x="628075" y="2487883"/>
+            <a:ext cx="12561413" cy="2015520"/>
+          </a:xfrm>
+          <a:prstGeom prst="rect">
+            <a:avLst/>
+          </a:prstGeom>
+          <a:noFill/>
+          <a:ln>
+            <a:noFill/>
+          </a:ln>
+        </p:spPr>
+        <p:txBody>
+          <a:bodyPr spcFirstLastPara="1" wrap="square" lIns="60500" tIns="60500" rIns="60500" bIns="60500" anchor="t" anchorCtr="0">
+            <a:noAutofit/>
+          </a:bodyPr>
+          <a:lstStyle>
+            <a:lvl1pPr marL="690875" marR="0" lvl="0" indent="-460583" algn="l" rtl="0">
+              <a:lnSpc>
+                <a:spcPct val="120000"/>
+              </a:lnSpc>
+              <a:spcBef>
+                <a:spcPts val="604"/>
+              </a:spcBef>
+              <a:spcAft>
+                <a:spcPts val="0"/>
+              </a:spcAft>
+              <a:buClr>
+                <a:schemeClr val="dk1"/>
+              </a:buClr>
+              <a:buSzPts val="1200"/>
+              <a:buFont typeface="Arial"/>
+              <a:buChar char="•"/>
+              <a:defRPr sz="1813" b="0" i="0" u="none" strike="noStrike" cap="none">
+                <a:solidFill>
+                  <a:schemeClr val="dk1"/>
+                </a:solidFill>
+                <a:latin typeface="Proxima Nova"/>
+                <a:ea typeface="Proxima Nova"/>
+                <a:cs typeface="Proxima Nova"/>
+                <a:sym typeface="Proxima Nova"/>
+              </a:defRPr>
+            </a:lvl1pPr>
+            <a:lvl2pPr marL="1381750" marR="0" lvl="1" indent="-450988" algn="l" rtl="0">
+              <a:lnSpc>
+                <a:spcPct val="120000"/>
+              </a:lnSpc>
+              <a:spcBef>
+                <a:spcPts val="604"/>
+              </a:spcBef>
+              <a:spcAft>
+                <a:spcPts val="0"/>
+              </a:spcAft>
+              <a:buClr>
+                <a:schemeClr val="dk1"/>
+              </a:buClr>
+              <a:buSzPts val="1100"/>
+              <a:buFont typeface="Arial"/>
+              <a:buChar char="–"/>
+              <a:defRPr sz="1662" b="0" i="0" u="none" strike="noStrike" cap="none">
+                <a:solidFill>
+                  <a:schemeClr val="dk1"/>
+                </a:solidFill>
+                <a:latin typeface="Proxima Nova"/>
+                <a:ea typeface="Proxima Nova"/>
+                <a:cs typeface="Proxima Nova"/>
+                <a:sym typeface="Proxima Nova"/>
+              </a:defRPr>
+            </a:lvl2pPr>
+            <a:lvl3pPr marL="2072625" marR="0" lvl="2" indent="-450988" algn="l" rtl="0">
+              <a:lnSpc>
+                <a:spcPct val="120000"/>
+              </a:lnSpc>
+              <a:spcBef>
+                <a:spcPts val="604"/>
+              </a:spcBef>
+              <a:spcAft>
+                <a:spcPts val="0"/>
+              </a:spcAft>
+              <a:buClr>
+                <a:schemeClr val="dk1"/>
+              </a:buClr>
+              <a:buSzPts val="1100"/>
+              <a:buFont typeface="Arial"/>
+              <a:buChar char="•"/>
+              <a:defRPr sz="1662" b="0" i="0" u="none" strike="noStrike" cap="none">
+                <a:solidFill>
+                  <a:schemeClr val="dk1"/>
+                </a:solidFill>
+                <a:latin typeface="Proxima Nova"/>
+                <a:ea typeface="Proxima Nova"/>
+                <a:cs typeface="Proxima Nova"/>
+                <a:sym typeface="Proxima Nova"/>
+              </a:defRPr>
+            </a:lvl3pPr>
+            <a:lvl4pPr marL="2763500" marR="0" lvl="3" indent="-450988" algn="l" rtl="0">
+              <a:lnSpc>
+                <a:spcPct val="120000"/>
+              </a:lnSpc>
+              <a:spcBef>
+                <a:spcPts val="604"/>
+              </a:spcBef>
+              <a:spcAft>
+                <a:spcPts val="0"/>
+              </a:spcAft>
+              <a:buClr>
+                <a:schemeClr val="dk1"/>
+              </a:buClr>
+              <a:buSzPts val="1100"/>
+              <a:buFont typeface="Arial"/>
+              <a:buChar char="–"/>
+              <a:defRPr sz="1662" b="0" i="0" u="none" strike="noStrike" cap="none">
+                <a:solidFill>
+                  <a:schemeClr val="dk1"/>
+                </a:solidFill>
+                <a:latin typeface="Proxima Nova"/>
+                <a:ea typeface="Proxima Nova"/>
+                <a:cs typeface="Proxima Nova"/>
+                <a:sym typeface="Proxima Nova"/>
+              </a:defRPr>
+            </a:lvl4pPr>
+            <a:lvl5pPr marL="3454375" marR="0" lvl="4" indent="-450988" algn="l" rtl="0">
+              <a:spcBef>
+                <a:spcPts val="604"/>
+              </a:spcBef>
+              <a:spcAft>
+                <a:spcPts val="0"/>
+              </a:spcAft>
+              <a:buClr>
+                <a:schemeClr val="dk1"/>
+              </a:buClr>
+              <a:buSzPts val="1100"/>
+              <a:buFont typeface="Arial"/>
+              <a:buChar char="»"/>
+              <a:defRPr sz="1662" b="0" i="0" u="none" strike="noStrike" cap="none">
+                <a:solidFill>
+                  <a:schemeClr val="dk1"/>
+                </a:solidFill>
+                <a:latin typeface="Source Sans Pro"/>
+                <a:ea typeface="Source Sans Pro"/>
+                <a:cs typeface="Source Sans Pro"/>
+                <a:sym typeface="Source Sans Pro"/>
+              </a:defRPr>
+            </a:lvl5pPr>
+            <a:lvl6pPr marL="4145250" marR="0" lvl="5" indent="-537347" algn="l" rtl="0">
+              <a:spcBef>
+                <a:spcPts val="604"/>
+              </a:spcBef>
+              <a:spcAft>
+                <a:spcPts val="0"/>
+              </a:spcAft>
+              <a:buClr>
+                <a:schemeClr val="dk1"/>
+              </a:buClr>
+              <a:buSzPts val="2000"/>
+              <a:buFont typeface="Arial"/>
+              <a:buChar char="•"/>
+              <a:defRPr sz="3022" b="0" i="0" u="none" strike="noStrike" cap="none">
+                <a:solidFill>
+                  <a:schemeClr val="dk1"/>
+                </a:solidFill>
+                <a:latin typeface="Arial"/>
+                <a:ea typeface="Arial"/>
+                <a:cs typeface="Arial"/>
+                <a:sym typeface="Arial"/>
+              </a:defRPr>
+            </a:lvl6pPr>
+            <a:lvl7pPr marL="4836124" marR="0" lvl="6" indent="-537347" algn="l" rtl="0">
+              <a:spcBef>
+                <a:spcPts val="604"/>
+              </a:spcBef>
+              <a:spcAft>
+                <a:spcPts val="0"/>
+              </a:spcAft>
+              <a:buClr>
+                <a:schemeClr val="dk1"/>
+              </a:buClr>
+              <a:buSzPts val="2000"/>
+              <a:buFont typeface="Arial"/>
+              <a:buChar char="•"/>
+              <a:defRPr sz="3022" b="0" i="0" u="none" strike="noStrike" cap="none">
+                <a:solidFill>
+                  <a:schemeClr val="dk1"/>
+                </a:solidFill>
+                <a:latin typeface="Arial"/>
+                <a:ea typeface="Arial"/>
+                <a:cs typeface="Arial"/>
+                <a:sym typeface="Arial"/>
+              </a:defRPr>
+            </a:lvl7pPr>
+            <a:lvl8pPr marL="5526999" marR="0" lvl="7" indent="-537347" algn="l" rtl="0">
+              <a:spcBef>
+                <a:spcPts val="604"/>
+              </a:spcBef>
+              <a:spcAft>
+                <a:spcPts val="0"/>
+              </a:spcAft>
+              <a:buClr>
+                <a:schemeClr val="dk1"/>
+              </a:buClr>
+              <a:buSzPts val="2000"/>
+              <a:buFont typeface="Arial"/>
+              <a:buChar char="•"/>
+              <a:defRPr sz="3022" b="0" i="0" u="none" strike="noStrike" cap="none">
+                <a:solidFill>
+                  <a:schemeClr val="dk1"/>
+                </a:solidFill>
+                <a:latin typeface="Arial"/>
+                <a:ea typeface="Arial"/>
+                <a:cs typeface="Arial"/>
+                <a:sym typeface="Arial"/>
+              </a:defRPr>
+            </a:lvl8pPr>
+            <a:lvl9pPr marL="6217874" marR="0" lvl="8" indent="-537347" algn="l" rtl="0">
+              <a:spcBef>
+                <a:spcPts val="604"/>
+              </a:spcBef>
+              <a:spcAft>
+                <a:spcPts val="0"/>
+              </a:spcAft>
+              <a:buClr>
+                <a:schemeClr val="dk1"/>
+              </a:buClr>
+              <a:buSzPts val="2000"/>
+              <a:buFont typeface="Arial"/>
+              <a:buChar char="•"/>
+              <a:defRPr sz="3022" b="0" i="0" u="none" strike="noStrike" cap="none">
+                <a:solidFill>
+                  <a:schemeClr val="dk1"/>
+                </a:solidFill>
+                <a:latin typeface="Arial"/>
+                <a:ea typeface="Arial"/>
+                <a:cs typeface="Arial"/>
+                <a:sym typeface="Arial"/>
+              </a:defRPr>
+            </a:lvl9pPr>
+          </a:lstStyle>
+          <a:p>
+            <a:endParaRPr/>
+          </a:p>
+        </p:txBody>
+      </p:sp>
+    </p:spTree>
+    <p:extLst>
+      <p:ext uri="{BB962C8B-B14F-4D97-AF65-F5344CB8AC3E}">
+        <p14:creationId xmlns:p14="http://schemas.microsoft.com/office/powerpoint/2010/main" val="3264109577"/>
+      </p:ext>
+    </p:extLst>
+  </p:cSld>
+  <p:clrMapOvr>
+    <a:masterClrMapping/>
+  </p:clrMapOvr>
+  <p:transition>
+    <p:fade/>
+  </p:transition>
+</p:sldLayout>
+</file>
+
 <file path=ppt/slideLayouts/slideLayout3.xml><?xml version="1.0" encoding="utf-8"?>
 <p:sldLayout xmlns:a="http://schemas.openxmlformats.org/drawingml/2006/main" xmlns:r="http://schemas.openxmlformats.org/officeDocument/2006/relationships" xmlns:p="http://schemas.openxmlformats.org/presentationml/2006/main" preserve="1" userDrawn="1">
   <p:cSld name="Title Green Ram CSU">
@@ -6316,6 +7182,7 @@
     <p:sldLayoutId id="2147483677" r:id="rId22"/>
     <p:sldLayoutId id="2147483692" r:id="rId23"/>
     <p:sldLayoutId id="2147483672" r:id="rId24"/>
+    <p:sldLayoutId id="2147483693" r:id="rId25"/>
   </p:sldLayoutIdLst>
   <mc:AlternateContent xmlns:mc="http://schemas.openxmlformats.org/markup-compatibility/2006" xmlns:p14="http://schemas.microsoft.com/office/powerpoint/2010/main">
     <mc:Choice Requires="p14">
@@ -6709,6 +7576,441 @@
 </file>
 
 <file path=ppt/slides/slide2.xml><?xml version="1.0" encoding="utf-8"?>
+<p:sld xmlns:a="http://schemas.openxmlformats.org/drawingml/2006/main" xmlns:r="http://schemas.openxmlformats.org/officeDocument/2006/relationships" xmlns:p="http://schemas.openxmlformats.org/presentationml/2006/main">
+  <p:cSld>
+    <p:spTree>
+      <p:nvGrpSpPr>
+        <p:cNvPr id="1" name=""/>
+        <p:cNvGrpSpPr/>
+        <p:nvPr/>
+      </p:nvGrpSpPr>
+      <p:grpSpPr>
+        <a:xfrm>
+          <a:off x="0" y="0"/>
+          <a:ext cx="0" cy="0"/>
+          <a:chOff x="0" y="0"/>
+          <a:chExt cx="0" cy="0"/>
+        </a:xfrm>
+      </p:grpSpPr>
+      <p:sp>
+        <p:nvSpPr>
+          <p:cNvPr id="4" name="Title 3">
+            <a:extLst>
+              <a:ext uri="{FF2B5EF4-FFF2-40B4-BE49-F238E27FC236}">
+                <a16:creationId xmlns:a16="http://schemas.microsoft.com/office/drawing/2014/main" id="{119AD8F2-D5DB-A84B-A5B3-F7935E3E6D1D}"/>
+              </a:ext>
+            </a:extLst>
+          </p:cNvPr>
+          <p:cNvSpPr>
+            <a:spLocks noGrp="1"/>
+          </p:cNvSpPr>
+          <p:nvPr>
+            <p:ph type="title"/>
+          </p:nvPr>
+        </p:nvSpPr>
+        <p:spPr>
+          <a:xfrm>
+            <a:off x="628076" y="607804"/>
+            <a:ext cx="5642096" cy="916848"/>
+          </a:xfrm>
+        </p:spPr>
+        <p:txBody>
+          <a:bodyPr/>
+          <a:lstStyle/>
+          <a:p>
+            <a:r>
+              <a:rPr lang="en-US" dirty="0"/>
+              <a:t>Announcements</a:t>
+            </a:r>
+          </a:p>
+        </p:txBody>
+      </p:sp>
+      <p:sp>
+        <p:nvSpPr>
+          <p:cNvPr id="5" name="Text Placeholder 4">
+            <a:extLst>
+              <a:ext uri="{FF2B5EF4-FFF2-40B4-BE49-F238E27FC236}">
+                <a16:creationId xmlns:a16="http://schemas.microsoft.com/office/drawing/2014/main" id="{1BBD0DB5-379A-304F-9307-E7B1A89B08F7}"/>
+              </a:ext>
+            </a:extLst>
+          </p:cNvPr>
+          <p:cNvSpPr>
+            <a:spLocks noGrp="1"/>
+          </p:cNvSpPr>
+          <p:nvPr>
+            <p:ph type="body" idx="1"/>
+          </p:nvPr>
+        </p:nvSpPr>
+        <p:spPr>
+          <a:xfrm>
+            <a:off x="628076" y="1647163"/>
+            <a:ext cx="8846458" cy="2659023"/>
+          </a:xfrm>
+        </p:spPr>
+        <p:txBody>
+          <a:bodyPr/>
+          <a:lstStyle/>
+          <a:p>
+            <a:pPr marL="930762" lvl="1" indent="0">
+              <a:buNone/>
+            </a:pPr>
+            <a:endParaRPr lang="en-US" dirty="0"/>
+          </a:p>
+          <a:p>
+            <a:r>
+              <a:rPr lang="en-US" dirty="0"/>
+              <a:t>Make sure to go to labs!! Even if you can’t work on the current lab, they are good for helping you get caught up.</a:t>
+            </a:r>
+          </a:p>
+          <a:p>
+            <a:endParaRPr lang="en-US" dirty="0"/>
+          </a:p>
+          <a:p>
+            <a:r>
+              <a:rPr lang="en-US" dirty="0"/>
+              <a:t>Help Session with </a:t>
+            </a:r>
+            <a:r>
+              <a:rPr lang="en-US" dirty="0" err="1"/>
+              <a:t>Terryn</a:t>
+            </a:r>
+            <a:endParaRPr lang="en-US" dirty="0"/>
+          </a:p>
+          <a:p>
+            <a:pPr marL="230292" indent="0">
+              <a:buNone/>
+            </a:pPr>
+            <a:r>
+              <a:rPr lang="en-US" b="1" dirty="0"/>
+              <a:t>	Wednesday</a:t>
+            </a:r>
+            <a:endParaRPr lang="en-US" dirty="0"/>
+          </a:p>
+          <a:p>
+            <a:pPr marL="230292" indent="0">
+              <a:buNone/>
+            </a:pPr>
+            <a:r>
+              <a:rPr lang="en-US" b="1" dirty="0"/>
+              <a:t>	2:00-2:50 PM</a:t>
+            </a:r>
+            <a:endParaRPr lang="en-US" dirty="0"/>
+          </a:p>
+          <a:p>
+            <a:pPr marL="230292" indent="0">
+              <a:buNone/>
+            </a:pPr>
+            <a:r>
+              <a:rPr lang="en-US" b="1" dirty="0"/>
+              <a:t>	Computer Science Building - 315 (third floor lab)</a:t>
+            </a:r>
+            <a:endParaRPr lang="en-US" dirty="0"/>
+          </a:p>
+        </p:txBody>
+      </p:sp>
+      <p:sp>
+        <p:nvSpPr>
+          <p:cNvPr id="6" name="TextBox 5">
+            <a:extLst>
+              <a:ext uri="{FF2B5EF4-FFF2-40B4-BE49-F238E27FC236}">
+                <a16:creationId xmlns:a16="http://schemas.microsoft.com/office/drawing/2014/main" id="{32A3B87A-BBC0-704B-AC99-3984206450D5}"/>
+              </a:ext>
+            </a:extLst>
+          </p:cNvPr>
+          <p:cNvSpPr txBox="1"/>
+          <p:nvPr/>
+        </p:nvSpPr>
+        <p:spPr>
+          <a:xfrm>
+            <a:off x="9744412" y="2150737"/>
+            <a:ext cx="3892958" cy="1487523"/>
+          </a:xfrm>
+          <a:prstGeom prst="rect">
+            <a:avLst/>
+          </a:prstGeom>
+          <a:noFill/>
+        </p:spPr>
+        <p:txBody>
+          <a:bodyPr wrap="square" rtlCol="0">
+            <a:spAutoFit/>
+          </a:bodyPr>
+          <a:lstStyle/>
+          <a:p>
+            <a:r>
+              <a:rPr lang="en-US" sz="3022" dirty="0" err="1"/>
+              <a:t>Todo</a:t>
+            </a:r>
+            <a:r>
+              <a:rPr lang="en-US" sz="3022" dirty="0"/>
+              <a:t>:</a:t>
+            </a:r>
+          </a:p>
+          <a:p>
+            <a:r>
+              <a:rPr lang="en-US" sz="3022" dirty="0"/>
+              <a:t>Practical 4 – Continue to work on it</a:t>
+            </a:r>
+          </a:p>
+        </p:txBody>
+      </p:sp>
+      <p:sp>
+        <p:nvSpPr>
+          <p:cNvPr id="7" name="TextBox 6">
+            <a:extLst>
+              <a:ext uri="{FF2B5EF4-FFF2-40B4-BE49-F238E27FC236}">
+                <a16:creationId xmlns:a16="http://schemas.microsoft.com/office/drawing/2014/main" id="{BF16D510-BC74-4FA5-AFD2-193B039115A5}"/>
+              </a:ext>
+            </a:extLst>
+          </p:cNvPr>
+          <p:cNvSpPr txBox="1"/>
+          <p:nvPr/>
+        </p:nvSpPr>
+        <p:spPr>
+          <a:xfrm>
+            <a:off x="7228114" y="362857"/>
+            <a:ext cx="6125029" cy="707886"/>
+          </a:xfrm>
+          <a:prstGeom prst="rect">
+            <a:avLst/>
+          </a:prstGeom>
+          <a:solidFill>
+            <a:schemeClr val="accent2"/>
+          </a:solidFill>
+        </p:spPr>
+        <p:txBody>
+          <a:bodyPr wrap="square" rtlCol="0">
+            <a:spAutoFit/>
+          </a:bodyPr>
+          <a:lstStyle/>
+          <a:p>
+            <a:r>
+              <a:rPr lang="en-US" b="1" dirty="0"/>
+              <a:t>Opening Question: </a:t>
+            </a:r>
+          </a:p>
+          <a:p>
+            <a:r>
+              <a:rPr lang="en-US" dirty="0"/>
+              <a:t>How comfortable are you with Arrays of objects?</a:t>
+            </a:r>
+          </a:p>
+        </p:txBody>
+      </p:sp>
+      <p:sp>
+        <p:nvSpPr>
+          <p:cNvPr id="2" name="Rectangle 1">
+            <a:extLst>
+              <a:ext uri="{FF2B5EF4-FFF2-40B4-BE49-F238E27FC236}">
+                <a16:creationId xmlns:a16="http://schemas.microsoft.com/office/drawing/2014/main" id="{B8728431-29F4-4DEC-B045-63F5127C380B}"/>
+              </a:ext>
+            </a:extLst>
+          </p:cNvPr>
+          <p:cNvSpPr/>
+          <p:nvPr/>
+        </p:nvSpPr>
+        <p:spPr>
+          <a:xfrm>
+            <a:off x="1335669" y="5309629"/>
+            <a:ext cx="12301701" cy="1631216"/>
+          </a:xfrm>
+          <a:prstGeom prst="rect">
+            <a:avLst/>
+          </a:prstGeom>
+        </p:spPr>
+        <p:txBody>
+          <a:bodyPr wrap="square">
+            <a:spAutoFit/>
+          </a:bodyPr>
+          <a:lstStyle/>
+          <a:p>
+            <a:r>
+              <a:rPr lang="en-US" dirty="0">
+                <a:latin typeface="Segoe UI" panose="020B0502040204020203" pitchFamily="34" charset="0"/>
+              </a:rPr>
+              <a:t>ACM-W Celebrating Women in Computing</a:t>
+            </a:r>
+          </a:p>
+          <a:p>
+            <a:r>
+              <a:rPr lang="en-US" dirty="0">
+                <a:latin typeface="Segoe UI" panose="020B0502040204020203" pitchFamily="34" charset="0"/>
+              </a:rPr>
+              <a:t>Outdoor screening of Nightmare Before Christmas! </a:t>
+            </a:r>
+          </a:p>
+          <a:p>
+            <a:r>
+              <a:rPr lang="en-US" dirty="0">
+                <a:latin typeface="Segoe UI" panose="020B0502040204020203" pitchFamily="34" charset="0"/>
+              </a:rPr>
+              <a:t>Where: Amphitheater outside Laurel Village</a:t>
+            </a:r>
+          </a:p>
+          <a:p>
+            <a:r>
+              <a:rPr lang="en-US" dirty="0">
+                <a:latin typeface="Segoe UI" panose="020B0502040204020203" pitchFamily="34" charset="0"/>
+              </a:rPr>
+              <a:t>When: 10/28 at 6:00pm </a:t>
+            </a:r>
+          </a:p>
+          <a:p>
+            <a:r>
+              <a:rPr lang="en-US" dirty="0">
+                <a:latin typeface="Segoe UI" panose="020B0502040204020203" pitchFamily="34" charset="0"/>
+                <a:hlinkClick r:id="rId2" tooltip="https://forms.gle/ybk8xjbgmvumy5829"/>
+              </a:rPr>
+              <a:t>https://forms.gle/YBk8XJbGMvumY5829</a:t>
+            </a:r>
+            <a:endParaRPr lang="en-US" dirty="0">
+              <a:latin typeface="Segoe UI" panose="020B0502040204020203" pitchFamily="34" charset="0"/>
+            </a:endParaRPr>
+          </a:p>
+        </p:txBody>
+      </p:sp>
+    </p:spTree>
+    <p:extLst>
+      <p:ext uri="{BB962C8B-B14F-4D97-AF65-F5344CB8AC3E}">
+        <p14:creationId xmlns:p14="http://schemas.microsoft.com/office/powerpoint/2010/main" val="926474781"/>
+      </p:ext>
+    </p:extLst>
+  </p:cSld>
+  <p:clrMapOvr>
+    <a:masterClrMapping/>
+  </p:clrMapOvr>
+  <p:transition>
+    <p:fade/>
+  </p:transition>
+</p:sld>
+</file>
+
+<file path=ppt/slides/slide3.xml><?xml version="1.0" encoding="utf-8"?>
+<p:sld xmlns:a="http://schemas.openxmlformats.org/drawingml/2006/main" xmlns:r="http://schemas.openxmlformats.org/officeDocument/2006/relationships" xmlns:p="http://schemas.openxmlformats.org/presentationml/2006/main">
+  <p:cSld>
+    <p:spTree>
+      <p:nvGrpSpPr>
+        <p:cNvPr id="1" name=""/>
+        <p:cNvGrpSpPr/>
+        <p:nvPr/>
+      </p:nvGrpSpPr>
+      <p:grpSpPr>
+        <a:xfrm>
+          <a:off x="0" y="0"/>
+          <a:ext cx="0" cy="0"/>
+          <a:chOff x="0" y="0"/>
+          <a:chExt cx="0" cy="0"/>
+        </a:xfrm>
+      </p:grpSpPr>
+      <p:sp>
+        <p:nvSpPr>
+          <p:cNvPr id="4" name="Title 3">
+            <a:extLst>
+              <a:ext uri="{FF2B5EF4-FFF2-40B4-BE49-F238E27FC236}">
+                <a16:creationId xmlns:a16="http://schemas.microsoft.com/office/drawing/2014/main" id="{4A660486-8E54-6640-B103-727D1050D612}"/>
+              </a:ext>
+            </a:extLst>
+          </p:cNvPr>
+          <p:cNvSpPr>
+            <a:spLocks noGrp="1"/>
+          </p:cNvSpPr>
+          <p:nvPr>
+            <p:ph type="title"/>
+          </p:nvPr>
+        </p:nvSpPr>
+        <p:spPr>
+          <a:xfrm>
+            <a:off x="255935" y="159932"/>
+            <a:ext cx="12561453" cy="1015663"/>
+          </a:xfrm>
+        </p:spPr>
+        <p:txBody>
+          <a:bodyPr/>
+          <a:lstStyle/>
+          <a:p>
+            <a:r>
+              <a:rPr lang="en-US" dirty="0"/>
+              <a:t>Arrays – Recall and Group Code Activity</a:t>
+            </a:r>
+          </a:p>
+        </p:txBody>
+      </p:sp>
+      <p:sp>
+        <p:nvSpPr>
+          <p:cNvPr id="5" name="Text Placeholder 4">
+            <a:extLst>
+              <a:ext uri="{FF2B5EF4-FFF2-40B4-BE49-F238E27FC236}">
+                <a16:creationId xmlns:a16="http://schemas.microsoft.com/office/drawing/2014/main" id="{F3EBC060-D4FF-C64E-B919-DFF25A0A3178}"/>
+              </a:ext>
+            </a:extLst>
+          </p:cNvPr>
+          <p:cNvSpPr>
+            <a:spLocks noGrp="1"/>
+          </p:cNvSpPr>
+          <p:nvPr>
+            <p:ph type="body" sz="quarter" idx="10"/>
+          </p:nvPr>
+        </p:nvSpPr>
+        <p:spPr>
+          <a:xfrm>
+            <a:off x="628073" y="1814782"/>
+            <a:ext cx="11365453" cy="1344022"/>
+          </a:xfrm>
+        </p:spPr>
+        <p:txBody>
+          <a:bodyPr/>
+          <a:lstStyle/>
+          <a:p>
+            <a:r>
+              <a:rPr lang="en-US" dirty="0"/>
+              <a:t>Brainstorm in your group and write what you all can remember about arrays.</a:t>
+            </a:r>
+          </a:p>
+          <a:p>
+            <a:r>
+              <a:rPr lang="en-US" dirty="0"/>
+              <a:t>Write a method that reverse an array of </a:t>
+            </a:r>
+            <a:r>
+              <a:rPr lang="en-US" dirty="0" err="1"/>
+              <a:t>ints</a:t>
+            </a:r>
+            <a:r>
+              <a:rPr lang="en-US" dirty="0"/>
+              <a:t> using swap.</a:t>
+            </a:r>
+          </a:p>
+          <a:p>
+            <a:pPr lvl="1"/>
+            <a:endParaRPr lang="en-US" dirty="0"/>
+          </a:p>
+        </p:txBody>
+      </p:sp>
+    </p:spTree>
+    <p:extLst>
+      <p:ext uri="{BB962C8B-B14F-4D97-AF65-F5344CB8AC3E}">
+        <p14:creationId xmlns:p14="http://schemas.microsoft.com/office/powerpoint/2010/main" val="1543760054"/>
+      </p:ext>
+    </p:extLst>
+  </p:cSld>
+  <p:clrMapOvr>
+    <a:masterClrMapping/>
+  </p:clrMapOvr>
+  <mc:AlternateContent xmlns:mc="http://schemas.openxmlformats.org/markup-compatibility/2006" xmlns:p14="http://schemas.microsoft.com/office/powerpoint/2010/main">
+    <mc:Choice Requires="p14">
+      <p:transition p14:dur="300">
+        <p:fade/>
+      </p:transition>
+    </mc:Choice>
+    <mc:Fallback xmlns="">
+      <p:transition>
+        <p:fade/>
+      </p:transition>
+    </mc:Fallback>
+  </mc:AlternateContent>
+</p:sld>
+</file>
+
+<file path=ppt/slides/slide4.xml><?xml version="1.0" encoding="utf-8"?>
 <p:sld xmlns:a="http://schemas.openxmlformats.org/drawingml/2006/main" xmlns:r="http://schemas.openxmlformats.org/officeDocument/2006/relationships" xmlns:p="http://schemas.openxmlformats.org/presentationml/2006/main">
   <p:cSld>
     <p:spTree>
@@ -9331,7 +10633,7 @@
 </p:sld>
 </file>
 
-<file path=ppt/slides/slide3.xml><?xml version="1.0" encoding="utf-8"?>
+<file path=ppt/slides/slide5.xml><?xml version="1.0" encoding="utf-8"?>
 <p:sld xmlns:a="http://schemas.openxmlformats.org/drawingml/2006/main" xmlns:r="http://schemas.openxmlformats.org/officeDocument/2006/relationships" xmlns:p="http://schemas.openxmlformats.org/presentationml/2006/main">
   <p:cSld>
     <p:spTree>
@@ -10838,7 +12140,7 @@
 </p:sld>
 </file>
 
-<file path=ppt/slides/slide4.xml><?xml version="1.0" encoding="utf-8"?>
+<file path=ppt/slides/slide6.xml><?xml version="1.0" encoding="utf-8"?>
 <p:sld xmlns:a="http://schemas.openxmlformats.org/drawingml/2006/main" xmlns:r="http://schemas.openxmlformats.org/officeDocument/2006/relationships" xmlns:p="http://schemas.openxmlformats.org/presentationml/2006/main">
   <p:cSld>
     <p:spTree>
@@ -13426,7 +14728,7 @@
 </p:sld>
 </file>
 
-<file path=ppt/slides/slide5.xml><?xml version="1.0" encoding="utf-8"?>
+<file path=ppt/slides/slide7.xml><?xml version="1.0" encoding="utf-8"?>
 <p:sld xmlns:a="http://schemas.openxmlformats.org/drawingml/2006/main" xmlns:r="http://schemas.openxmlformats.org/officeDocument/2006/relationships" xmlns:p="http://schemas.openxmlformats.org/presentationml/2006/main">
   <p:cSld>
     <p:spTree>
@@ -15429,7 +16731,7 @@
             </a:solidFill>
             <a:extLst>
               <a:ext uri="{C807C97D-BFC1-408E-A445-0C87EB9F89A2}">
-                <ask:lineSketchStyleProps xmlns:ask="http://schemas.microsoft.com/office/drawing/2018/sketchyshapes" sd="1219033472">
+                <ask:lineSketchStyleProps xmlns="" xmlns:ask="http://schemas.microsoft.com/office/drawing/2018/sketchyshapes" sd="1219033472">
                   <a:prstGeom prst="donut">
                     <a:avLst>
                       <a:gd name="adj" fmla="val 7120"/>
@@ -15722,7 +17024,7 @@
             </a:solidFill>
             <a:extLst>
               <a:ext uri="{C807C97D-BFC1-408E-A445-0C87EB9F89A2}">
-                <ask:lineSketchStyleProps xmlns:ask="http://schemas.microsoft.com/office/drawing/2018/sketchyshapes" sd="1219033472">
+                <ask:lineSketchStyleProps xmlns="" xmlns:ask="http://schemas.microsoft.com/office/drawing/2018/sketchyshapes" sd="1219033472">
                   <a:prstGeom prst="donut">
                     <a:avLst>
                       <a:gd name="adj" fmla="val 7120"/>
@@ -17219,7 +18521,7 @@
                             </p:stCondLst>
                             <p:childTnLst>
                               <p:par>
-                                <p:cTn id="79" presetID="21" presetClass="entr" presetSubtype="1" fill="hold" grpId="1" nodeType="clickEffect">
+                                <p:cTn id="79" presetID="21" presetClass="entr" presetSubtype="1" fill="hold" grpId="0" nodeType="clickEffect">
                                   <p:stCondLst>
                                     <p:cond delay="0"/>
                                   </p:stCondLst>
@@ -17392,7 +18694,7 @@
       <p:bldP spid="29" grpId="0" animBg="1"/>
       <p:bldP spid="49" grpId="0"/>
       <p:bldP spid="50" grpId="0"/>
-      <p:bldP spid="56" grpId="1" animBg="1"/>
+      <p:bldP spid="56" grpId="0" animBg="1"/>
       <p:bldP spid="57" grpId="0"/>
       <p:bldP spid="58" grpId="0" animBg="1"/>
       <p:bldP spid="59" grpId="0"/>
@@ -17403,7 +18705,7 @@
 </p:sld>
 </file>
 
-<file path=ppt/slides/slide6.xml><?xml version="1.0" encoding="utf-8"?>
+<file path=ppt/slides/slide8.xml><?xml version="1.0" encoding="utf-8"?>
 <p:sld xmlns:a="http://schemas.openxmlformats.org/drawingml/2006/main" xmlns:r="http://schemas.openxmlformats.org/officeDocument/2006/relationships" xmlns:p="http://schemas.openxmlformats.org/presentationml/2006/main">
   <p:cSld>
     <p:spTree>
@@ -20396,6 +21698,1099 @@
 </p:sld>
 </file>
 
+<file path=ppt/slides/slide9.xml><?xml version="1.0" encoding="utf-8"?>
+<p:sld xmlns:a="http://schemas.openxmlformats.org/drawingml/2006/main" xmlns:r="http://schemas.openxmlformats.org/officeDocument/2006/relationships" xmlns:p="http://schemas.openxmlformats.org/presentationml/2006/main">
+  <p:cSld>
+    <p:spTree>
+      <p:nvGrpSpPr>
+        <p:cNvPr id="1" name=""/>
+        <p:cNvGrpSpPr/>
+        <p:nvPr/>
+      </p:nvGrpSpPr>
+      <p:grpSpPr>
+        <a:xfrm>
+          <a:off x="0" y="0"/>
+          <a:ext cx="0" cy="0"/>
+          <a:chOff x="0" y="0"/>
+          <a:chExt cx="0" cy="0"/>
+        </a:xfrm>
+      </p:grpSpPr>
+      <p:sp>
+        <p:nvSpPr>
+          <p:cNvPr id="4" name="Title 3">
+            <a:extLst>
+              <a:ext uri="{FF2B5EF4-FFF2-40B4-BE49-F238E27FC236}">
+                <a16:creationId xmlns:a16="http://schemas.microsoft.com/office/drawing/2014/main" id="{4A660486-8E54-6640-B103-727D1050D612}"/>
+              </a:ext>
+            </a:extLst>
+          </p:cNvPr>
+          <p:cNvSpPr>
+            <a:spLocks noGrp="1"/>
+          </p:cNvSpPr>
+          <p:nvPr>
+            <p:ph type="title"/>
+          </p:nvPr>
+        </p:nvSpPr>
+        <p:spPr>
+          <a:xfrm>
+            <a:off x="255935" y="159932"/>
+            <a:ext cx="12561453" cy="1015663"/>
+          </a:xfrm>
+        </p:spPr>
+        <p:txBody>
+          <a:bodyPr/>
+          <a:lstStyle/>
+          <a:p>
+            <a:r>
+              <a:rPr lang="en-US" dirty="0"/>
+              <a:t>2D Arrays –Group Code Activity</a:t>
+            </a:r>
+          </a:p>
+        </p:txBody>
+      </p:sp>
+      <p:sp>
+        <p:nvSpPr>
+          <p:cNvPr id="5" name="Text Placeholder 4">
+            <a:extLst>
+              <a:ext uri="{FF2B5EF4-FFF2-40B4-BE49-F238E27FC236}">
+                <a16:creationId xmlns:a16="http://schemas.microsoft.com/office/drawing/2014/main" id="{F3EBC060-D4FF-C64E-B919-DFF25A0A3178}"/>
+              </a:ext>
+            </a:extLst>
+          </p:cNvPr>
+          <p:cNvSpPr>
+            <a:spLocks noGrp="1"/>
+          </p:cNvSpPr>
+          <p:nvPr>
+            <p:ph type="body" sz="quarter" idx="10"/>
+          </p:nvPr>
+        </p:nvSpPr>
+        <p:spPr>
+          <a:xfrm>
+            <a:off x="628074" y="1814782"/>
+            <a:ext cx="5985378" cy="4286366"/>
+          </a:xfrm>
+        </p:spPr>
+        <p:txBody>
+          <a:bodyPr/>
+          <a:lstStyle/>
+          <a:p>
+            <a:r>
+              <a:rPr lang="en-US" dirty="0"/>
+              <a:t>Write a Array2DInt class that:</a:t>
+            </a:r>
+          </a:p>
+          <a:p>
+            <a:r>
+              <a:rPr lang="en-US" dirty="0"/>
+              <a:t>builds an array of 2D of int of a specific size;</a:t>
+            </a:r>
+          </a:p>
+          <a:p>
+            <a:r>
+              <a:rPr lang="en-US" dirty="0"/>
+              <a:t>add user entered values to that 2D array;</a:t>
+            </a:r>
+          </a:p>
+          <a:p>
+            <a:r>
+              <a:rPr lang="en-US" dirty="0"/>
+              <a:t>builds a </a:t>
+            </a:r>
+            <a:r>
+              <a:rPr lang="en-US" dirty="0" err="1"/>
+              <a:t>toString</a:t>
+            </a:r>
+            <a:r>
+              <a:rPr lang="en-US" dirty="0"/>
+              <a:t> method that return a String with the 2D array as a matrix format.</a:t>
+            </a:r>
+          </a:p>
+          <a:p>
+            <a:endParaRPr lang="en-US" dirty="0"/>
+          </a:p>
+          <a:p>
+            <a:pPr marL="0" indent="0">
+              <a:buNone/>
+            </a:pPr>
+            <a:r>
+              <a:rPr lang="en-US" dirty="0"/>
+              <a:t>Challenge: what do you need to do to be able to read the numbers from a file instead of reading from </a:t>
+            </a:r>
+            <a:r>
+              <a:rPr lang="en-US"/>
+              <a:t>the console?</a:t>
+            </a:r>
+            <a:endParaRPr lang="en-US" dirty="0"/>
+          </a:p>
+          <a:p>
+            <a:pPr lvl="1"/>
+            <a:endParaRPr lang="en-US" dirty="0"/>
+          </a:p>
+        </p:txBody>
+      </p:sp>
+      <p:sp>
+        <p:nvSpPr>
+          <p:cNvPr id="7" name="Rectangle 6">
+            <a:extLst>
+              <a:ext uri="{FF2B5EF4-FFF2-40B4-BE49-F238E27FC236}">
+                <a16:creationId xmlns:a16="http://schemas.microsoft.com/office/drawing/2014/main" id="{597910EA-64B7-4019-BAE6-D80DC3CDBE87}"/>
+              </a:ext>
+            </a:extLst>
+          </p:cNvPr>
+          <p:cNvSpPr/>
+          <p:nvPr/>
+        </p:nvSpPr>
+        <p:spPr>
+          <a:xfrm>
+            <a:off x="7953907" y="1659932"/>
+            <a:ext cx="5379025" cy="3785652"/>
+          </a:xfrm>
+          <a:prstGeom prst="rect">
+            <a:avLst/>
+          </a:prstGeom>
+          <a:solidFill>
+            <a:schemeClr val="bg2"/>
+          </a:solidFill>
+        </p:spPr>
+        <p:txBody>
+          <a:bodyPr wrap="square">
+            <a:spAutoFit/>
+          </a:bodyPr>
+          <a:lstStyle/>
+          <a:p>
+            <a:r>
+              <a:rPr lang="en-US" sz="1600" dirty="0">
+                <a:solidFill>
+                  <a:srgbClr val="CC7832"/>
+                </a:solidFill>
+                <a:latin typeface="Consolas" panose="020B0609020204030204" pitchFamily="49" charset="0"/>
+                <a:cs typeface="Consolas" panose="020B0609020204030204" pitchFamily="49" charset="0"/>
+              </a:rPr>
+              <a:t>public static void </a:t>
+            </a:r>
+            <a:r>
+              <a:rPr lang="en-US" sz="1600" dirty="0" err="1">
+                <a:solidFill>
+                  <a:schemeClr val="tx2"/>
+                </a:solidFill>
+                <a:latin typeface="Consolas" panose="020B0609020204030204" pitchFamily="49" charset="0"/>
+                <a:cs typeface="Consolas" panose="020B0609020204030204" pitchFamily="49" charset="0"/>
+              </a:rPr>
+              <a:t>twoDArrays</a:t>
+            </a:r>
+            <a:r>
+              <a:rPr lang="en-US" sz="1600" dirty="0">
+                <a:latin typeface="Consolas" panose="020B0609020204030204" pitchFamily="49" charset="0"/>
+                <a:cs typeface="Consolas" panose="020B0609020204030204" pitchFamily="49" charset="0"/>
+              </a:rPr>
+              <a:t>(</a:t>
+            </a:r>
+            <a:r>
+              <a:rPr lang="en-US" sz="1600" dirty="0">
+                <a:solidFill>
+                  <a:srgbClr val="CC7832"/>
+                </a:solidFill>
+                <a:latin typeface="Consolas" panose="020B0609020204030204" pitchFamily="49" charset="0"/>
+                <a:cs typeface="Consolas" panose="020B0609020204030204" pitchFamily="49" charset="0"/>
+              </a:rPr>
+              <a:t>int </a:t>
+            </a:r>
+            <a:r>
+              <a:rPr lang="en-US" sz="1600" dirty="0">
+                <a:latin typeface="Consolas" panose="020B0609020204030204" pitchFamily="49" charset="0"/>
+                <a:cs typeface="Consolas" panose="020B0609020204030204" pitchFamily="49" charset="0"/>
+              </a:rPr>
+              <a:t>size) {</a:t>
+            </a:r>
+            <a:br>
+              <a:rPr lang="en-US" sz="1600" dirty="0">
+                <a:latin typeface="Consolas" panose="020B0609020204030204" pitchFamily="49" charset="0"/>
+                <a:cs typeface="Consolas" panose="020B0609020204030204" pitchFamily="49" charset="0"/>
+              </a:rPr>
+            </a:br>
+            <a:r>
+              <a:rPr lang="en-US" sz="1600" dirty="0">
+                <a:latin typeface="Consolas" panose="020B0609020204030204" pitchFamily="49" charset="0"/>
+                <a:cs typeface="Consolas" panose="020B0609020204030204" pitchFamily="49" charset="0"/>
+              </a:rPr>
+              <a:t>    </a:t>
+            </a:r>
+            <a:r>
+              <a:rPr lang="en-US" sz="1600" dirty="0">
+                <a:solidFill>
+                  <a:srgbClr val="CC7832"/>
+                </a:solidFill>
+                <a:latin typeface="Consolas" panose="020B0609020204030204" pitchFamily="49" charset="0"/>
+                <a:cs typeface="Consolas" panose="020B0609020204030204" pitchFamily="49" charset="0"/>
+              </a:rPr>
+              <a:t>char</a:t>
+            </a:r>
+            <a:r>
+              <a:rPr lang="en-US" sz="1600" dirty="0">
+                <a:latin typeface="Consolas" panose="020B0609020204030204" pitchFamily="49" charset="0"/>
+                <a:cs typeface="Consolas" panose="020B0609020204030204" pitchFamily="49" charset="0"/>
+              </a:rPr>
+              <a:t>[][] matrix = </a:t>
+            </a:r>
+            <a:r>
+              <a:rPr lang="en-US" sz="1600" dirty="0">
+                <a:solidFill>
+                  <a:srgbClr val="CC7832"/>
+                </a:solidFill>
+                <a:latin typeface="Consolas" panose="020B0609020204030204" pitchFamily="49" charset="0"/>
+                <a:cs typeface="Consolas" panose="020B0609020204030204" pitchFamily="49" charset="0"/>
+              </a:rPr>
+              <a:t>new char</a:t>
+            </a:r>
+            <a:r>
+              <a:rPr lang="en-US" sz="1600" dirty="0">
+                <a:latin typeface="Consolas" panose="020B0609020204030204" pitchFamily="49" charset="0"/>
+                <a:cs typeface="Consolas" panose="020B0609020204030204" pitchFamily="49" charset="0"/>
+              </a:rPr>
+              <a:t>[size][size]</a:t>
+            </a:r>
+            <a:r>
+              <a:rPr lang="en-US" sz="1600" dirty="0">
+                <a:solidFill>
+                  <a:srgbClr val="CC7832"/>
+                </a:solidFill>
+                <a:latin typeface="Consolas" panose="020B0609020204030204" pitchFamily="49" charset="0"/>
+                <a:cs typeface="Consolas" panose="020B0609020204030204" pitchFamily="49" charset="0"/>
+              </a:rPr>
+              <a:t>;</a:t>
+            </a:r>
+            <a:br>
+              <a:rPr lang="en-US" sz="1600" dirty="0">
+                <a:solidFill>
+                  <a:srgbClr val="CC7832"/>
+                </a:solidFill>
+                <a:latin typeface="Consolas" panose="020B0609020204030204" pitchFamily="49" charset="0"/>
+                <a:cs typeface="Consolas" panose="020B0609020204030204" pitchFamily="49" charset="0"/>
+              </a:rPr>
+            </a:br>
+            <a:r>
+              <a:rPr lang="en-US" sz="1600" dirty="0">
+                <a:solidFill>
+                  <a:srgbClr val="CC7832"/>
+                </a:solidFill>
+                <a:latin typeface="Consolas" panose="020B0609020204030204" pitchFamily="49" charset="0"/>
+                <a:cs typeface="Consolas" panose="020B0609020204030204" pitchFamily="49" charset="0"/>
+              </a:rPr>
+              <a:t>    char </a:t>
+            </a:r>
+            <a:r>
+              <a:rPr lang="en-US" sz="1600" dirty="0">
+                <a:latin typeface="Consolas" panose="020B0609020204030204" pitchFamily="49" charset="0"/>
+                <a:cs typeface="Consolas" panose="020B0609020204030204" pitchFamily="49" charset="0"/>
+              </a:rPr>
+              <a:t>start = </a:t>
+            </a:r>
+            <a:r>
+              <a:rPr lang="en-US" sz="1600" dirty="0">
+                <a:solidFill>
+                  <a:srgbClr val="6A8759"/>
+                </a:solidFill>
+                <a:latin typeface="Consolas" panose="020B0609020204030204" pitchFamily="49" charset="0"/>
+                <a:cs typeface="Consolas" panose="020B0609020204030204" pitchFamily="49" charset="0"/>
+              </a:rPr>
+              <a:t>'A'</a:t>
+            </a:r>
+            <a:r>
+              <a:rPr lang="en-US" sz="1600" dirty="0">
+                <a:solidFill>
+                  <a:srgbClr val="CC7832"/>
+                </a:solidFill>
+                <a:latin typeface="Consolas" panose="020B0609020204030204" pitchFamily="49" charset="0"/>
+                <a:cs typeface="Consolas" panose="020B0609020204030204" pitchFamily="49" charset="0"/>
+              </a:rPr>
+              <a:t>;</a:t>
+            </a:r>
+            <a:br>
+              <a:rPr lang="en-US" sz="1600" dirty="0">
+                <a:solidFill>
+                  <a:srgbClr val="CC7832"/>
+                </a:solidFill>
+                <a:latin typeface="Consolas" panose="020B0609020204030204" pitchFamily="49" charset="0"/>
+                <a:cs typeface="Consolas" panose="020B0609020204030204" pitchFamily="49" charset="0"/>
+              </a:rPr>
+            </a:br>
+            <a:r>
+              <a:rPr lang="en-US" sz="1600" dirty="0">
+                <a:solidFill>
+                  <a:srgbClr val="CC7832"/>
+                </a:solidFill>
+                <a:latin typeface="Consolas" panose="020B0609020204030204" pitchFamily="49" charset="0"/>
+                <a:cs typeface="Consolas" panose="020B0609020204030204" pitchFamily="49" charset="0"/>
+              </a:rPr>
+              <a:t>    for</a:t>
+            </a:r>
+            <a:r>
+              <a:rPr lang="en-US" sz="1600" dirty="0">
+                <a:latin typeface="Consolas" panose="020B0609020204030204" pitchFamily="49" charset="0"/>
+                <a:cs typeface="Consolas" panose="020B0609020204030204" pitchFamily="49" charset="0"/>
+              </a:rPr>
+              <a:t>(</a:t>
+            </a:r>
+            <a:r>
+              <a:rPr lang="en-US" sz="1600" dirty="0">
+                <a:solidFill>
+                  <a:srgbClr val="CC7832"/>
+                </a:solidFill>
+                <a:latin typeface="Consolas" panose="020B0609020204030204" pitchFamily="49" charset="0"/>
+                <a:cs typeface="Consolas" panose="020B0609020204030204" pitchFamily="49" charset="0"/>
+              </a:rPr>
+              <a:t>int </a:t>
+            </a:r>
+            <a:r>
+              <a:rPr lang="en-US" sz="1600" dirty="0" err="1">
+                <a:latin typeface="Consolas" panose="020B0609020204030204" pitchFamily="49" charset="0"/>
+                <a:cs typeface="Consolas" panose="020B0609020204030204" pitchFamily="49" charset="0"/>
+              </a:rPr>
+              <a:t>i</a:t>
+            </a:r>
+            <a:r>
+              <a:rPr lang="en-US" sz="1600" dirty="0">
+                <a:latin typeface="Consolas" panose="020B0609020204030204" pitchFamily="49" charset="0"/>
+                <a:cs typeface="Consolas" panose="020B0609020204030204" pitchFamily="49" charset="0"/>
+              </a:rPr>
+              <a:t> = </a:t>
+            </a:r>
+            <a:r>
+              <a:rPr lang="en-US" sz="1600" dirty="0">
+                <a:solidFill>
+                  <a:srgbClr val="6897BB"/>
+                </a:solidFill>
+                <a:latin typeface="Consolas" panose="020B0609020204030204" pitchFamily="49" charset="0"/>
+                <a:cs typeface="Consolas" panose="020B0609020204030204" pitchFamily="49" charset="0"/>
+              </a:rPr>
+              <a:t>0</a:t>
+            </a:r>
+            <a:r>
+              <a:rPr lang="en-US" sz="1600" dirty="0">
+                <a:solidFill>
+                  <a:srgbClr val="CC7832"/>
+                </a:solidFill>
+                <a:latin typeface="Consolas" panose="020B0609020204030204" pitchFamily="49" charset="0"/>
+                <a:cs typeface="Consolas" panose="020B0609020204030204" pitchFamily="49" charset="0"/>
+              </a:rPr>
+              <a:t>; </a:t>
+            </a:r>
+            <a:r>
+              <a:rPr lang="en-US" sz="1600" dirty="0" err="1">
+                <a:latin typeface="Consolas" panose="020B0609020204030204" pitchFamily="49" charset="0"/>
+                <a:cs typeface="Consolas" panose="020B0609020204030204" pitchFamily="49" charset="0"/>
+              </a:rPr>
+              <a:t>i</a:t>
+            </a:r>
+            <a:r>
+              <a:rPr lang="en-US" sz="1600" dirty="0">
+                <a:latin typeface="Consolas" panose="020B0609020204030204" pitchFamily="49" charset="0"/>
+                <a:cs typeface="Consolas" panose="020B0609020204030204" pitchFamily="49" charset="0"/>
+              </a:rPr>
+              <a:t> &lt; size</a:t>
+            </a:r>
+            <a:r>
+              <a:rPr lang="en-US" sz="1600" dirty="0">
+                <a:solidFill>
+                  <a:srgbClr val="CC7832"/>
+                </a:solidFill>
+                <a:latin typeface="Consolas" panose="020B0609020204030204" pitchFamily="49" charset="0"/>
+                <a:cs typeface="Consolas" panose="020B0609020204030204" pitchFamily="49" charset="0"/>
+              </a:rPr>
+              <a:t>; </a:t>
+            </a:r>
+            <a:r>
+              <a:rPr lang="en-US" sz="1600" dirty="0" err="1">
+                <a:latin typeface="Consolas" panose="020B0609020204030204" pitchFamily="49" charset="0"/>
+                <a:cs typeface="Consolas" panose="020B0609020204030204" pitchFamily="49" charset="0"/>
+              </a:rPr>
+              <a:t>i</a:t>
+            </a:r>
+            <a:r>
+              <a:rPr lang="en-US" sz="1600" dirty="0">
+                <a:latin typeface="Consolas" panose="020B0609020204030204" pitchFamily="49" charset="0"/>
+                <a:cs typeface="Consolas" panose="020B0609020204030204" pitchFamily="49" charset="0"/>
+              </a:rPr>
+              <a:t>++) {</a:t>
+            </a:r>
+            <a:br>
+              <a:rPr lang="en-US" sz="1600" dirty="0">
+                <a:latin typeface="Consolas" panose="020B0609020204030204" pitchFamily="49" charset="0"/>
+                <a:cs typeface="Consolas" panose="020B0609020204030204" pitchFamily="49" charset="0"/>
+              </a:rPr>
+            </a:br>
+            <a:r>
+              <a:rPr lang="en-US" sz="1600" dirty="0">
+                <a:latin typeface="Consolas" panose="020B0609020204030204" pitchFamily="49" charset="0"/>
+                <a:cs typeface="Consolas" panose="020B0609020204030204" pitchFamily="49" charset="0"/>
+              </a:rPr>
+              <a:t>        </a:t>
+            </a:r>
+            <a:r>
+              <a:rPr lang="en-US" sz="1600" dirty="0">
+                <a:solidFill>
+                  <a:srgbClr val="CC7832"/>
+                </a:solidFill>
+                <a:latin typeface="Consolas" panose="020B0609020204030204" pitchFamily="49" charset="0"/>
+                <a:cs typeface="Consolas" panose="020B0609020204030204" pitchFamily="49" charset="0"/>
+              </a:rPr>
+              <a:t>for</a:t>
+            </a:r>
+            <a:r>
+              <a:rPr lang="en-US" sz="1600" dirty="0">
+                <a:latin typeface="Consolas" panose="020B0609020204030204" pitchFamily="49" charset="0"/>
+                <a:cs typeface="Consolas" panose="020B0609020204030204" pitchFamily="49" charset="0"/>
+              </a:rPr>
+              <a:t>(</a:t>
+            </a:r>
+            <a:r>
+              <a:rPr lang="en-US" sz="1600" dirty="0">
+                <a:solidFill>
+                  <a:srgbClr val="CC7832"/>
+                </a:solidFill>
+                <a:latin typeface="Consolas" panose="020B0609020204030204" pitchFamily="49" charset="0"/>
+                <a:cs typeface="Consolas" panose="020B0609020204030204" pitchFamily="49" charset="0"/>
+              </a:rPr>
+              <a:t>int </a:t>
+            </a:r>
+            <a:r>
+              <a:rPr lang="en-US" sz="1600" dirty="0">
+                <a:latin typeface="Consolas" panose="020B0609020204030204" pitchFamily="49" charset="0"/>
+                <a:cs typeface="Consolas" panose="020B0609020204030204" pitchFamily="49" charset="0"/>
+              </a:rPr>
+              <a:t>j = </a:t>
+            </a:r>
+            <a:r>
+              <a:rPr lang="en-US" sz="1600" dirty="0">
+                <a:solidFill>
+                  <a:srgbClr val="6897BB"/>
+                </a:solidFill>
+                <a:latin typeface="Consolas" panose="020B0609020204030204" pitchFamily="49" charset="0"/>
+                <a:cs typeface="Consolas" panose="020B0609020204030204" pitchFamily="49" charset="0"/>
+              </a:rPr>
+              <a:t>0</a:t>
+            </a:r>
+            <a:r>
+              <a:rPr lang="en-US" sz="1600" dirty="0">
+                <a:solidFill>
+                  <a:srgbClr val="CC7832"/>
+                </a:solidFill>
+                <a:latin typeface="Consolas" panose="020B0609020204030204" pitchFamily="49" charset="0"/>
+                <a:cs typeface="Consolas" panose="020B0609020204030204" pitchFamily="49" charset="0"/>
+              </a:rPr>
+              <a:t>; </a:t>
+            </a:r>
+            <a:r>
+              <a:rPr lang="en-US" sz="1600" dirty="0">
+                <a:latin typeface="Consolas" panose="020B0609020204030204" pitchFamily="49" charset="0"/>
+                <a:cs typeface="Consolas" panose="020B0609020204030204" pitchFamily="49" charset="0"/>
+              </a:rPr>
+              <a:t>j &lt; size</a:t>
+            </a:r>
+            <a:r>
+              <a:rPr lang="en-US" sz="1600" dirty="0">
+                <a:solidFill>
+                  <a:srgbClr val="CC7832"/>
+                </a:solidFill>
+                <a:latin typeface="Consolas" panose="020B0609020204030204" pitchFamily="49" charset="0"/>
+                <a:cs typeface="Consolas" panose="020B0609020204030204" pitchFamily="49" charset="0"/>
+              </a:rPr>
+              <a:t>; </a:t>
+            </a:r>
+            <a:r>
+              <a:rPr lang="en-US" sz="1600" dirty="0" err="1">
+                <a:latin typeface="Consolas" panose="020B0609020204030204" pitchFamily="49" charset="0"/>
+                <a:cs typeface="Consolas" panose="020B0609020204030204" pitchFamily="49" charset="0"/>
+              </a:rPr>
+              <a:t>j++</a:t>
+            </a:r>
+            <a:r>
+              <a:rPr lang="en-US" sz="1600" dirty="0">
+                <a:latin typeface="Consolas" panose="020B0609020204030204" pitchFamily="49" charset="0"/>
+                <a:cs typeface="Consolas" panose="020B0609020204030204" pitchFamily="49" charset="0"/>
+              </a:rPr>
+              <a:t>) {</a:t>
+            </a:r>
+            <a:br>
+              <a:rPr lang="en-US" sz="1600" dirty="0">
+                <a:latin typeface="Consolas" panose="020B0609020204030204" pitchFamily="49" charset="0"/>
+                <a:cs typeface="Consolas" panose="020B0609020204030204" pitchFamily="49" charset="0"/>
+              </a:rPr>
+            </a:br>
+            <a:r>
+              <a:rPr lang="en-US" sz="1600" dirty="0">
+                <a:latin typeface="Consolas" panose="020B0609020204030204" pitchFamily="49" charset="0"/>
+                <a:cs typeface="Consolas" panose="020B0609020204030204" pitchFamily="49" charset="0"/>
+              </a:rPr>
+              <a:t>            matrix[</a:t>
+            </a:r>
+            <a:r>
+              <a:rPr lang="en-US" sz="1600" dirty="0" err="1">
+                <a:latin typeface="Consolas" panose="020B0609020204030204" pitchFamily="49" charset="0"/>
+                <a:cs typeface="Consolas" panose="020B0609020204030204" pitchFamily="49" charset="0"/>
+              </a:rPr>
+              <a:t>i</a:t>
+            </a:r>
+            <a:r>
+              <a:rPr lang="en-US" sz="1600" dirty="0">
+                <a:latin typeface="Consolas" panose="020B0609020204030204" pitchFamily="49" charset="0"/>
+                <a:cs typeface="Consolas" panose="020B0609020204030204" pitchFamily="49" charset="0"/>
+              </a:rPr>
+              <a:t>][j] += (</a:t>
+            </a:r>
+            <a:r>
+              <a:rPr lang="en-US" sz="1600" dirty="0">
+                <a:solidFill>
+                  <a:srgbClr val="CC7832"/>
+                </a:solidFill>
+                <a:latin typeface="Consolas" panose="020B0609020204030204" pitchFamily="49" charset="0"/>
+                <a:cs typeface="Consolas" panose="020B0609020204030204" pitchFamily="49" charset="0"/>
+              </a:rPr>
+              <a:t>char</a:t>
+            </a:r>
+            <a:r>
+              <a:rPr lang="en-US" sz="1600" dirty="0">
+                <a:latin typeface="Consolas" panose="020B0609020204030204" pitchFamily="49" charset="0"/>
+                <a:cs typeface="Consolas" panose="020B0609020204030204" pitchFamily="49" charset="0"/>
+              </a:rPr>
+              <a:t>) (</a:t>
+            </a:r>
+            <a:r>
+              <a:rPr lang="en-US" sz="1600" dirty="0" err="1">
+                <a:latin typeface="Consolas" panose="020B0609020204030204" pitchFamily="49" charset="0"/>
+                <a:cs typeface="Consolas" panose="020B0609020204030204" pitchFamily="49" charset="0"/>
+              </a:rPr>
+              <a:t>start+j</a:t>
+            </a:r>
+            <a:r>
+              <a:rPr lang="en-US" sz="1600" dirty="0">
+                <a:latin typeface="Consolas" panose="020B0609020204030204" pitchFamily="49" charset="0"/>
+                <a:cs typeface="Consolas" panose="020B0609020204030204" pitchFamily="49" charset="0"/>
+              </a:rPr>
+              <a:t>)</a:t>
+            </a:r>
+            <a:r>
+              <a:rPr lang="en-US" sz="1600" dirty="0">
+                <a:solidFill>
+                  <a:srgbClr val="CC7832"/>
+                </a:solidFill>
+                <a:latin typeface="Consolas" panose="020B0609020204030204" pitchFamily="49" charset="0"/>
+                <a:cs typeface="Consolas" panose="020B0609020204030204" pitchFamily="49" charset="0"/>
+              </a:rPr>
+              <a:t>;</a:t>
+            </a:r>
+            <a:br>
+              <a:rPr lang="en-US" sz="1600" dirty="0">
+                <a:solidFill>
+                  <a:srgbClr val="CC7832"/>
+                </a:solidFill>
+                <a:latin typeface="Consolas" panose="020B0609020204030204" pitchFamily="49" charset="0"/>
+                <a:cs typeface="Consolas" panose="020B0609020204030204" pitchFamily="49" charset="0"/>
+              </a:rPr>
+            </a:br>
+            <a:r>
+              <a:rPr lang="en-US" sz="1600" dirty="0">
+                <a:solidFill>
+                  <a:srgbClr val="CC7832"/>
+                </a:solidFill>
+                <a:latin typeface="Consolas" panose="020B0609020204030204" pitchFamily="49" charset="0"/>
+                <a:cs typeface="Consolas" panose="020B0609020204030204" pitchFamily="49" charset="0"/>
+              </a:rPr>
+              <a:t>        </a:t>
+            </a:r>
+            <a:r>
+              <a:rPr lang="en-US" sz="1600" dirty="0">
+                <a:latin typeface="Consolas" panose="020B0609020204030204" pitchFamily="49" charset="0"/>
+                <a:cs typeface="Consolas" panose="020B0609020204030204" pitchFamily="49" charset="0"/>
+              </a:rPr>
+              <a:t>}</a:t>
+            </a:r>
+            <a:br>
+              <a:rPr lang="en-US" sz="1600" dirty="0">
+                <a:latin typeface="Consolas" panose="020B0609020204030204" pitchFamily="49" charset="0"/>
+                <a:cs typeface="Consolas" panose="020B0609020204030204" pitchFamily="49" charset="0"/>
+              </a:rPr>
+            </a:br>
+            <a:r>
+              <a:rPr lang="en-US" sz="1600" dirty="0">
+                <a:latin typeface="Consolas" panose="020B0609020204030204" pitchFamily="49" charset="0"/>
+                <a:cs typeface="Consolas" panose="020B0609020204030204" pitchFamily="49" charset="0"/>
+              </a:rPr>
+              <a:t>        start = (</a:t>
+            </a:r>
+            <a:r>
+              <a:rPr lang="en-US" sz="1600" dirty="0">
+                <a:solidFill>
+                  <a:srgbClr val="CC7832"/>
+                </a:solidFill>
+                <a:latin typeface="Consolas" panose="020B0609020204030204" pitchFamily="49" charset="0"/>
+                <a:cs typeface="Consolas" panose="020B0609020204030204" pitchFamily="49" charset="0"/>
+              </a:rPr>
+              <a:t>char</a:t>
+            </a:r>
+            <a:r>
+              <a:rPr lang="en-US" sz="1600" dirty="0">
+                <a:latin typeface="Consolas" panose="020B0609020204030204" pitchFamily="49" charset="0"/>
+                <a:cs typeface="Consolas" panose="020B0609020204030204" pitchFamily="49" charset="0"/>
+              </a:rPr>
+              <a:t>)(matrix[</a:t>
+            </a:r>
+            <a:r>
+              <a:rPr lang="en-US" sz="1600" dirty="0" err="1">
+                <a:latin typeface="Consolas" panose="020B0609020204030204" pitchFamily="49" charset="0"/>
+                <a:cs typeface="Consolas" panose="020B0609020204030204" pitchFamily="49" charset="0"/>
+              </a:rPr>
+              <a:t>i</a:t>
+            </a:r>
+            <a:r>
+              <a:rPr lang="en-US" sz="1600" dirty="0">
+                <a:latin typeface="Consolas" panose="020B0609020204030204" pitchFamily="49" charset="0"/>
+                <a:cs typeface="Consolas" panose="020B0609020204030204" pitchFamily="49" charset="0"/>
+              </a:rPr>
+              <a:t>][size-</a:t>
+            </a:r>
+            <a:r>
+              <a:rPr lang="en-US" sz="1600" dirty="0">
+                <a:solidFill>
+                  <a:srgbClr val="6897BB"/>
+                </a:solidFill>
+                <a:latin typeface="Consolas" panose="020B0609020204030204" pitchFamily="49" charset="0"/>
+                <a:cs typeface="Consolas" panose="020B0609020204030204" pitchFamily="49" charset="0"/>
+              </a:rPr>
+              <a:t>1</a:t>
+            </a:r>
+            <a:r>
+              <a:rPr lang="en-US" sz="1600" dirty="0">
+                <a:latin typeface="Consolas" panose="020B0609020204030204" pitchFamily="49" charset="0"/>
+                <a:cs typeface="Consolas" panose="020B0609020204030204" pitchFamily="49" charset="0"/>
+              </a:rPr>
+              <a:t>]+</a:t>
+            </a:r>
+            <a:r>
+              <a:rPr lang="en-US" sz="1600" dirty="0">
+                <a:solidFill>
+                  <a:srgbClr val="6897BB"/>
+                </a:solidFill>
+                <a:latin typeface="Consolas" panose="020B0609020204030204" pitchFamily="49" charset="0"/>
+                <a:cs typeface="Consolas" panose="020B0609020204030204" pitchFamily="49" charset="0"/>
+              </a:rPr>
+              <a:t>1</a:t>
+            </a:r>
+            <a:r>
+              <a:rPr lang="en-US" sz="1600" dirty="0">
+                <a:latin typeface="Consolas" panose="020B0609020204030204" pitchFamily="49" charset="0"/>
+                <a:cs typeface="Consolas" panose="020B0609020204030204" pitchFamily="49" charset="0"/>
+              </a:rPr>
+              <a:t>)</a:t>
+            </a:r>
+            <a:r>
+              <a:rPr lang="en-US" sz="1600" dirty="0">
+                <a:solidFill>
+                  <a:srgbClr val="CC7832"/>
+                </a:solidFill>
+                <a:latin typeface="Consolas" panose="020B0609020204030204" pitchFamily="49" charset="0"/>
+                <a:cs typeface="Consolas" panose="020B0609020204030204" pitchFamily="49" charset="0"/>
+              </a:rPr>
+              <a:t>; </a:t>
+            </a:r>
+            <a:br>
+              <a:rPr lang="en-US" sz="1600" dirty="0">
+                <a:solidFill>
+                  <a:srgbClr val="808080"/>
+                </a:solidFill>
+                <a:latin typeface="Consolas" panose="020B0609020204030204" pitchFamily="49" charset="0"/>
+                <a:cs typeface="Consolas" panose="020B0609020204030204" pitchFamily="49" charset="0"/>
+              </a:rPr>
+            </a:br>
+            <a:r>
+              <a:rPr lang="en-US" sz="1600" dirty="0">
+                <a:solidFill>
+                  <a:srgbClr val="808080"/>
+                </a:solidFill>
+                <a:latin typeface="Consolas" panose="020B0609020204030204" pitchFamily="49" charset="0"/>
+                <a:cs typeface="Consolas" panose="020B0609020204030204" pitchFamily="49" charset="0"/>
+              </a:rPr>
+              <a:t>    </a:t>
+            </a:r>
+            <a:r>
+              <a:rPr lang="en-US" sz="1600" dirty="0">
+                <a:latin typeface="Consolas" panose="020B0609020204030204" pitchFamily="49" charset="0"/>
+                <a:cs typeface="Consolas" panose="020B0609020204030204" pitchFamily="49" charset="0"/>
+              </a:rPr>
+              <a:t>}</a:t>
+            </a:r>
+            <a:br>
+              <a:rPr lang="en-US" sz="1600" dirty="0">
+                <a:latin typeface="Consolas" panose="020B0609020204030204" pitchFamily="49" charset="0"/>
+                <a:cs typeface="Consolas" panose="020B0609020204030204" pitchFamily="49" charset="0"/>
+              </a:rPr>
+            </a:br>
+            <a:r>
+              <a:rPr lang="en-US" sz="1600" dirty="0">
+                <a:latin typeface="Consolas" panose="020B0609020204030204" pitchFamily="49" charset="0"/>
+                <a:cs typeface="Consolas" panose="020B0609020204030204" pitchFamily="49" charset="0"/>
+              </a:rPr>
+              <a:t>    </a:t>
+            </a:r>
+            <a:r>
+              <a:rPr lang="en-US" sz="1600" dirty="0">
+                <a:solidFill>
+                  <a:srgbClr val="CC7832"/>
+                </a:solidFill>
+                <a:latin typeface="Consolas" panose="020B0609020204030204" pitchFamily="49" charset="0"/>
+                <a:cs typeface="Consolas" panose="020B0609020204030204" pitchFamily="49" charset="0"/>
+              </a:rPr>
+              <a:t>for</a:t>
+            </a:r>
+            <a:r>
+              <a:rPr lang="en-US" sz="1600" dirty="0">
+                <a:latin typeface="Consolas" panose="020B0609020204030204" pitchFamily="49" charset="0"/>
+                <a:cs typeface="Consolas" panose="020B0609020204030204" pitchFamily="49" charset="0"/>
+              </a:rPr>
+              <a:t>(</a:t>
+            </a:r>
+            <a:r>
+              <a:rPr lang="en-US" sz="1600" dirty="0">
+                <a:solidFill>
+                  <a:srgbClr val="CC7832"/>
+                </a:solidFill>
+                <a:latin typeface="Consolas" panose="020B0609020204030204" pitchFamily="49" charset="0"/>
+                <a:cs typeface="Consolas" panose="020B0609020204030204" pitchFamily="49" charset="0"/>
+              </a:rPr>
+              <a:t>char</a:t>
+            </a:r>
+            <a:r>
+              <a:rPr lang="en-US" sz="1600" dirty="0">
+                <a:latin typeface="Consolas" panose="020B0609020204030204" pitchFamily="49" charset="0"/>
+                <a:cs typeface="Consolas" panose="020B0609020204030204" pitchFamily="49" charset="0"/>
+              </a:rPr>
+              <a:t>[] row : matrix) {</a:t>
+            </a:r>
+            <a:br>
+              <a:rPr lang="en-US" sz="1600" dirty="0">
+                <a:latin typeface="Consolas" panose="020B0609020204030204" pitchFamily="49" charset="0"/>
+                <a:cs typeface="Consolas" panose="020B0609020204030204" pitchFamily="49" charset="0"/>
+              </a:rPr>
+            </a:br>
+            <a:r>
+              <a:rPr lang="en-US" sz="1600" dirty="0">
+                <a:latin typeface="Consolas" panose="020B0609020204030204" pitchFamily="49" charset="0"/>
+                <a:cs typeface="Consolas" panose="020B0609020204030204" pitchFamily="49" charset="0"/>
+              </a:rPr>
+              <a:t>        </a:t>
+            </a:r>
+            <a:r>
+              <a:rPr lang="en-US" sz="1600" dirty="0">
+                <a:solidFill>
+                  <a:srgbClr val="CC7832"/>
+                </a:solidFill>
+                <a:latin typeface="Consolas" panose="020B0609020204030204" pitchFamily="49" charset="0"/>
+                <a:cs typeface="Consolas" panose="020B0609020204030204" pitchFamily="49" charset="0"/>
+              </a:rPr>
+              <a:t>for</a:t>
+            </a:r>
+            <a:r>
+              <a:rPr lang="en-US" sz="1600" dirty="0">
+                <a:latin typeface="Consolas" panose="020B0609020204030204" pitchFamily="49" charset="0"/>
+                <a:cs typeface="Consolas" panose="020B0609020204030204" pitchFamily="49" charset="0"/>
+              </a:rPr>
+              <a:t>(</a:t>
+            </a:r>
+            <a:r>
+              <a:rPr lang="en-US" sz="1600" dirty="0">
+                <a:solidFill>
+                  <a:srgbClr val="CC7832"/>
+                </a:solidFill>
+                <a:latin typeface="Consolas" panose="020B0609020204030204" pitchFamily="49" charset="0"/>
+                <a:cs typeface="Consolas" panose="020B0609020204030204" pitchFamily="49" charset="0"/>
+              </a:rPr>
+              <a:t>char </a:t>
+            </a:r>
+            <a:r>
+              <a:rPr lang="en-US" sz="1600" dirty="0">
+                <a:latin typeface="Consolas" panose="020B0609020204030204" pitchFamily="49" charset="0"/>
+                <a:cs typeface="Consolas" panose="020B0609020204030204" pitchFamily="49" charset="0"/>
+              </a:rPr>
+              <a:t>col : row) {</a:t>
+            </a:r>
+            <a:br>
+              <a:rPr lang="en-US" sz="1600" dirty="0">
+                <a:latin typeface="Consolas" panose="020B0609020204030204" pitchFamily="49" charset="0"/>
+                <a:cs typeface="Consolas" panose="020B0609020204030204" pitchFamily="49" charset="0"/>
+              </a:rPr>
+            </a:br>
+            <a:r>
+              <a:rPr lang="en-US" sz="1600" dirty="0">
+                <a:latin typeface="Consolas" panose="020B0609020204030204" pitchFamily="49" charset="0"/>
+                <a:cs typeface="Consolas" panose="020B0609020204030204" pitchFamily="49" charset="0"/>
+              </a:rPr>
+              <a:t>            </a:t>
+            </a:r>
+            <a:r>
+              <a:rPr lang="en-US" sz="1600" dirty="0" err="1">
+                <a:latin typeface="Consolas" panose="020B0609020204030204" pitchFamily="49" charset="0"/>
+                <a:cs typeface="Consolas" panose="020B0609020204030204" pitchFamily="49" charset="0"/>
+              </a:rPr>
+              <a:t>System.</a:t>
+            </a:r>
+            <a:r>
+              <a:rPr lang="en-US" sz="1600" i="1" dirty="0" err="1">
+                <a:solidFill>
+                  <a:srgbClr val="9876AA"/>
+                </a:solidFill>
+                <a:latin typeface="Consolas" panose="020B0609020204030204" pitchFamily="49" charset="0"/>
+                <a:cs typeface="Consolas" panose="020B0609020204030204" pitchFamily="49" charset="0"/>
+              </a:rPr>
+              <a:t>out</a:t>
+            </a:r>
+            <a:r>
+              <a:rPr lang="en-US" sz="1600" dirty="0" err="1">
+                <a:latin typeface="Consolas" panose="020B0609020204030204" pitchFamily="49" charset="0"/>
+                <a:cs typeface="Consolas" panose="020B0609020204030204" pitchFamily="49" charset="0"/>
+              </a:rPr>
+              <a:t>.print</a:t>
+            </a:r>
+            <a:r>
+              <a:rPr lang="en-US" sz="1600" dirty="0">
+                <a:latin typeface="Consolas" panose="020B0609020204030204" pitchFamily="49" charset="0"/>
+                <a:cs typeface="Consolas" panose="020B0609020204030204" pitchFamily="49" charset="0"/>
+              </a:rPr>
+              <a:t>(col)</a:t>
+            </a:r>
+            <a:r>
+              <a:rPr lang="en-US" sz="1600" dirty="0">
+                <a:solidFill>
+                  <a:srgbClr val="CC7832"/>
+                </a:solidFill>
+                <a:latin typeface="Consolas" panose="020B0609020204030204" pitchFamily="49" charset="0"/>
+                <a:cs typeface="Consolas" panose="020B0609020204030204" pitchFamily="49" charset="0"/>
+              </a:rPr>
+              <a:t>;</a:t>
+            </a:r>
+            <a:br>
+              <a:rPr lang="en-US" sz="1600" dirty="0">
+                <a:solidFill>
+                  <a:srgbClr val="CC7832"/>
+                </a:solidFill>
+                <a:latin typeface="Consolas" panose="020B0609020204030204" pitchFamily="49" charset="0"/>
+                <a:cs typeface="Consolas" panose="020B0609020204030204" pitchFamily="49" charset="0"/>
+              </a:rPr>
+            </a:br>
+            <a:r>
+              <a:rPr lang="en-US" sz="1600" dirty="0">
+                <a:solidFill>
+                  <a:srgbClr val="CC7832"/>
+                </a:solidFill>
+                <a:latin typeface="Consolas" panose="020B0609020204030204" pitchFamily="49" charset="0"/>
+                <a:cs typeface="Consolas" panose="020B0609020204030204" pitchFamily="49" charset="0"/>
+              </a:rPr>
+              <a:t>        </a:t>
+            </a:r>
+            <a:r>
+              <a:rPr lang="en-US" sz="1600" dirty="0">
+                <a:latin typeface="Consolas" panose="020B0609020204030204" pitchFamily="49" charset="0"/>
+                <a:cs typeface="Consolas" panose="020B0609020204030204" pitchFamily="49" charset="0"/>
+              </a:rPr>
+              <a:t>}</a:t>
+            </a:r>
+            <a:br>
+              <a:rPr lang="en-US" sz="1600" dirty="0">
+                <a:latin typeface="Consolas" panose="020B0609020204030204" pitchFamily="49" charset="0"/>
+                <a:cs typeface="Consolas" panose="020B0609020204030204" pitchFamily="49" charset="0"/>
+              </a:rPr>
+            </a:br>
+            <a:r>
+              <a:rPr lang="en-US" sz="1600" dirty="0">
+                <a:latin typeface="Consolas" panose="020B0609020204030204" pitchFamily="49" charset="0"/>
+                <a:cs typeface="Consolas" panose="020B0609020204030204" pitchFamily="49" charset="0"/>
+              </a:rPr>
+              <a:t>    }</a:t>
+            </a:r>
+            <a:br>
+              <a:rPr lang="en-US" sz="1600" dirty="0">
+                <a:latin typeface="Consolas" panose="020B0609020204030204" pitchFamily="49" charset="0"/>
+                <a:cs typeface="Consolas" panose="020B0609020204030204" pitchFamily="49" charset="0"/>
+              </a:rPr>
+            </a:br>
+            <a:r>
+              <a:rPr lang="en-US" sz="1600" dirty="0">
+                <a:latin typeface="Consolas" panose="020B0609020204030204" pitchFamily="49" charset="0"/>
+                <a:cs typeface="Consolas" panose="020B0609020204030204" pitchFamily="49" charset="0"/>
+              </a:rPr>
+              <a:t>}</a:t>
+            </a:r>
+          </a:p>
+        </p:txBody>
+      </p:sp>
+      <p:sp>
+        <p:nvSpPr>
+          <p:cNvPr id="8" name="Rectangle 7">
+            <a:extLst>
+              <a:ext uri="{FF2B5EF4-FFF2-40B4-BE49-F238E27FC236}">
+                <a16:creationId xmlns:a16="http://schemas.microsoft.com/office/drawing/2014/main" id="{0E05E88E-C53A-464A-9415-C6C326F21393}"/>
+              </a:ext>
+            </a:extLst>
+          </p:cNvPr>
+          <p:cNvSpPr/>
+          <p:nvPr/>
+        </p:nvSpPr>
+        <p:spPr>
+          <a:xfrm>
+            <a:off x="7953907" y="5573807"/>
+            <a:ext cx="5379025" cy="830997"/>
+          </a:xfrm>
+          <a:prstGeom prst="rect">
+            <a:avLst/>
+          </a:prstGeom>
+          <a:solidFill>
+            <a:schemeClr val="bg2"/>
+          </a:solidFill>
+        </p:spPr>
+        <p:txBody>
+          <a:bodyPr wrap="square">
+            <a:spAutoFit/>
+          </a:bodyPr>
+          <a:lstStyle/>
+          <a:p>
+            <a:r>
+              <a:rPr lang="en-US" sz="1600" dirty="0">
+                <a:solidFill>
+                  <a:srgbClr val="CC7832"/>
+                </a:solidFill>
+                <a:latin typeface="Consolas" panose="020B0609020204030204" pitchFamily="49" charset="0"/>
+                <a:cs typeface="Consolas" panose="020B0609020204030204" pitchFamily="49" charset="0"/>
+              </a:rPr>
+              <a:t>public static void </a:t>
+            </a:r>
+            <a:r>
+              <a:rPr lang="en-US" sz="1600" dirty="0">
+                <a:solidFill>
+                  <a:schemeClr val="tx2"/>
+                </a:solidFill>
+                <a:latin typeface="Consolas" panose="020B0609020204030204" pitchFamily="49" charset="0"/>
+                <a:cs typeface="Consolas" panose="020B0609020204030204" pitchFamily="49" charset="0"/>
+              </a:rPr>
+              <a:t>main</a:t>
+            </a:r>
+            <a:r>
+              <a:rPr lang="en-US" sz="1600" dirty="0">
+                <a:latin typeface="Consolas" panose="020B0609020204030204" pitchFamily="49" charset="0"/>
+                <a:cs typeface="Consolas" panose="020B0609020204030204" pitchFamily="49" charset="0"/>
+              </a:rPr>
+              <a:t>(String[] </a:t>
+            </a:r>
+            <a:r>
+              <a:rPr lang="en-US" sz="1600" dirty="0" err="1">
+                <a:latin typeface="Consolas" panose="020B0609020204030204" pitchFamily="49" charset="0"/>
+                <a:cs typeface="Consolas" panose="020B0609020204030204" pitchFamily="49" charset="0"/>
+              </a:rPr>
+              <a:t>args</a:t>
+            </a:r>
+            <a:r>
+              <a:rPr lang="en-US" sz="1600" dirty="0">
+                <a:latin typeface="Consolas" panose="020B0609020204030204" pitchFamily="49" charset="0"/>
+                <a:cs typeface="Consolas" panose="020B0609020204030204" pitchFamily="49" charset="0"/>
+              </a:rPr>
+              <a:t>) {</a:t>
+            </a:r>
+            <a:br>
+              <a:rPr lang="en-US" sz="1600" dirty="0">
+                <a:latin typeface="Consolas" panose="020B0609020204030204" pitchFamily="49" charset="0"/>
+                <a:cs typeface="Consolas" panose="020B0609020204030204" pitchFamily="49" charset="0"/>
+              </a:rPr>
+            </a:br>
+            <a:r>
+              <a:rPr lang="en-US" sz="1600" dirty="0">
+                <a:latin typeface="Consolas" panose="020B0609020204030204" pitchFamily="49" charset="0"/>
+                <a:cs typeface="Consolas" panose="020B0609020204030204" pitchFamily="49" charset="0"/>
+              </a:rPr>
+              <a:t>	</a:t>
+            </a:r>
+            <a:r>
+              <a:rPr lang="en-US" sz="1600" i="1" dirty="0" err="1">
+                <a:latin typeface="Consolas" panose="020B0609020204030204" pitchFamily="49" charset="0"/>
+                <a:cs typeface="Consolas" panose="020B0609020204030204" pitchFamily="49" charset="0"/>
+              </a:rPr>
+              <a:t>twoDArrays</a:t>
+            </a:r>
+            <a:r>
+              <a:rPr lang="en-US" sz="1600" dirty="0">
+                <a:latin typeface="Consolas" panose="020B0609020204030204" pitchFamily="49" charset="0"/>
+                <a:cs typeface="Consolas" panose="020B0609020204030204" pitchFamily="49" charset="0"/>
+              </a:rPr>
+              <a:t>(</a:t>
+            </a:r>
+            <a:r>
+              <a:rPr lang="en-US" sz="1600" dirty="0">
+                <a:solidFill>
+                  <a:srgbClr val="6897BB"/>
+                </a:solidFill>
+                <a:latin typeface="Consolas" panose="020B0609020204030204" pitchFamily="49" charset="0"/>
+                <a:cs typeface="Consolas" panose="020B0609020204030204" pitchFamily="49" charset="0"/>
+              </a:rPr>
+              <a:t>3</a:t>
+            </a:r>
+            <a:r>
+              <a:rPr lang="en-US" sz="1600" dirty="0">
+                <a:latin typeface="Consolas" panose="020B0609020204030204" pitchFamily="49" charset="0"/>
+                <a:cs typeface="Consolas" panose="020B0609020204030204" pitchFamily="49" charset="0"/>
+              </a:rPr>
+              <a:t>)</a:t>
+            </a:r>
+            <a:r>
+              <a:rPr lang="en-US" sz="1600" dirty="0">
+                <a:solidFill>
+                  <a:srgbClr val="CC7832"/>
+                </a:solidFill>
+                <a:latin typeface="Consolas" panose="020B0609020204030204" pitchFamily="49" charset="0"/>
+                <a:cs typeface="Consolas" panose="020B0609020204030204" pitchFamily="49" charset="0"/>
+              </a:rPr>
+              <a:t>;</a:t>
+            </a:r>
+            <a:br>
+              <a:rPr lang="en-US" sz="1600" dirty="0">
+                <a:solidFill>
+                  <a:srgbClr val="CC7832"/>
+                </a:solidFill>
+                <a:latin typeface="Consolas" panose="020B0609020204030204" pitchFamily="49" charset="0"/>
+                <a:cs typeface="Consolas" panose="020B0609020204030204" pitchFamily="49" charset="0"/>
+              </a:rPr>
+            </a:br>
+            <a:r>
+              <a:rPr lang="en-US" sz="1600" dirty="0">
+                <a:latin typeface="Consolas" panose="020B0609020204030204" pitchFamily="49" charset="0"/>
+                <a:cs typeface="Consolas" panose="020B0609020204030204" pitchFamily="49" charset="0"/>
+              </a:rPr>
+              <a:t>}</a:t>
+            </a:r>
+          </a:p>
+        </p:txBody>
+      </p:sp>
+    </p:spTree>
+    <p:extLst>
+      <p:ext uri="{BB962C8B-B14F-4D97-AF65-F5344CB8AC3E}">
+        <p14:creationId xmlns:p14="http://schemas.microsoft.com/office/powerpoint/2010/main" val="3507559956"/>
+      </p:ext>
+    </p:extLst>
+  </p:cSld>
+  <p:clrMapOvr>
+    <a:masterClrMapping/>
+  </p:clrMapOvr>
+  <mc:AlternateContent xmlns:mc="http://schemas.openxmlformats.org/markup-compatibility/2006" xmlns:p14="http://schemas.microsoft.com/office/powerpoint/2010/main">
+    <mc:Choice Requires="p14">
+      <p:transition p14:dur="300">
+        <p:fade/>
+      </p:transition>
+    </mc:Choice>
+    <mc:Fallback xmlns="">
+      <p:transition>
+        <p:fade/>
+      </p:transition>
+    </mc:Fallback>
+  </mc:AlternateContent>
+</p:sld>
+</file>
+
 <file path=ppt/theme/theme1.xml><?xml version="1.0" encoding="utf-8"?>
 <a:theme xmlns:a="http://schemas.openxmlformats.org/drawingml/2006/main" name="Office Theme">
   <a:themeElements>
